--- a/root/docs/slides/Ригин_ВКР_Защита.pptx
+++ b/root/docs/slides/Ригин_ВКР_Защита.pptx
@@ -2243,7 +2243,7 @@
           </a:ln>
           <a:extLst>
             <a:ext uri="{C572A759-6A51-4108-AA02-DFA0A04FC94B}">
-              <ma14:wrappingTextBoxFlag xmlns:ma14="http://schemas.microsoft.com/office/mac/drawingml/2011/main" xmlns:a14="http://schemas.microsoft.com/office/drawing/2010/main" xmlns:m="http://schemas.openxmlformats.org/officeDocument/2006/math" xmlns="" val="1"/>
+              <ma14:wrappingTextBoxFlag xmlns="" xmlns:m="http://schemas.openxmlformats.org/officeDocument/2006/math" xmlns:a14="http://schemas.microsoft.com/office/drawing/2010/main" xmlns:ma14="http://schemas.microsoft.com/office/mac/drawingml/2011/main" val="1"/>
             </a:ext>
           </a:extLst>
         </p:spPr>
@@ -2282,7 +2282,7 @@
           </a:ln>
           <a:extLst>
             <a:ext uri="{C572A759-6A51-4108-AA02-DFA0A04FC94B}">
-              <ma14:wrappingTextBoxFlag xmlns:ma14="http://schemas.microsoft.com/office/mac/drawingml/2011/main" xmlns:a14="http://schemas.microsoft.com/office/drawing/2010/main" xmlns:m="http://schemas.openxmlformats.org/officeDocument/2006/math" xmlns="" val="1"/>
+              <ma14:wrappingTextBoxFlag xmlns="" xmlns:m="http://schemas.openxmlformats.org/officeDocument/2006/math" xmlns:a14="http://schemas.microsoft.com/office/drawing/2010/main" xmlns:ma14="http://schemas.microsoft.com/office/mac/drawingml/2011/main" val="1"/>
             </a:ext>
           </a:extLst>
         </p:spPr>
@@ -3242,7 +3242,7 @@
           </a:ln>
           <a:extLst>
             <a:ext uri="{C572A759-6A51-4108-AA02-DFA0A04FC94B}">
-              <ma14:wrappingTextBoxFlag xmlns:ma14="http://schemas.microsoft.com/office/mac/drawingml/2011/main" xmlns:a14="http://schemas.microsoft.com/office/drawing/2010/main" xmlns:m="http://schemas.openxmlformats.org/officeDocument/2006/math" xmlns="" val="1"/>
+              <ma14:wrappingTextBoxFlag xmlns="" xmlns:m="http://schemas.openxmlformats.org/officeDocument/2006/math" xmlns:a14="http://schemas.microsoft.com/office/drawing/2010/main" xmlns:ma14="http://schemas.microsoft.com/office/mac/drawingml/2011/main" val="1"/>
             </a:ext>
           </a:extLst>
         </p:spPr>
@@ -3323,7 +3323,7 @@
           </a:ln>
           <a:extLst>
             <a:ext uri="{C572A759-6A51-4108-AA02-DFA0A04FC94B}">
-              <ma14:wrappingTextBoxFlag xmlns:ma14="http://schemas.microsoft.com/office/mac/drawingml/2011/main" xmlns:a14="http://schemas.microsoft.com/office/drawing/2010/main" xmlns:m="http://schemas.openxmlformats.org/officeDocument/2006/math" xmlns="" val="1"/>
+              <ma14:wrappingTextBoxFlag xmlns="" xmlns:m="http://schemas.openxmlformats.org/officeDocument/2006/math" xmlns:a14="http://schemas.microsoft.com/office/drawing/2010/main" xmlns:ma14="http://schemas.microsoft.com/office/mac/drawingml/2011/main" val="1"/>
             </a:ext>
           </a:extLst>
         </p:spPr>
@@ -3410,7 +3410,7 @@
           </a:ln>
           <a:extLst>
             <a:ext uri="{C572A759-6A51-4108-AA02-DFA0A04FC94B}">
-              <ma14:wrappingTextBoxFlag xmlns:ma14="http://schemas.microsoft.com/office/mac/drawingml/2011/main" xmlns:a14="http://schemas.microsoft.com/office/drawing/2010/main" xmlns:m="http://schemas.openxmlformats.org/officeDocument/2006/math" xmlns="" val="1"/>
+              <ma14:wrappingTextBoxFlag xmlns="" xmlns:m="http://schemas.openxmlformats.org/officeDocument/2006/math" xmlns:a14="http://schemas.microsoft.com/office/drawing/2010/main" xmlns:ma14="http://schemas.microsoft.com/office/mac/drawingml/2011/main" val="1"/>
             </a:ext>
           </a:extLst>
         </p:spPr>
@@ -3475,7 +3475,7 @@
           </a:ln>
           <a:extLst>
             <a:ext uri="{C572A759-6A51-4108-AA02-DFA0A04FC94B}">
-              <ma14:wrappingTextBoxFlag xmlns:ma14="http://schemas.microsoft.com/office/mac/drawingml/2011/main" xmlns:a14="http://schemas.microsoft.com/office/drawing/2010/main" xmlns:m="http://schemas.openxmlformats.org/officeDocument/2006/math" xmlns="" val="1"/>
+              <ma14:wrappingTextBoxFlag xmlns="" xmlns:m="http://schemas.openxmlformats.org/officeDocument/2006/math" xmlns:a14="http://schemas.microsoft.com/office/drawing/2010/main" xmlns:ma14="http://schemas.microsoft.com/office/mac/drawingml/2011/main" val="1"/>
             </a:ext>
           </a:extLst>
         </p:spPr>
@@ -3619,7 +3619,7 @@
           </a:ln>
           <a:extLst>
             <a:ext uri="{C572A759-6A51-4108-AA02-DFA0A04FC94B}">
-              <ma14:wrappingTextBoxFlag xmlns:ma14="http://schemas.microsoft.com/office/mac/drawingml/2011/main" xmlns:a14="http://schemas.microsoft.com/office/drawing/2010/main" xmlns:m="http://schemas.openxmlformats.org/officeDocument/2006/math" xmlns="" val="1"/>
+              <ma14:wrappingTextBoxFlag xmlns="" xmlns:m="http://schemas.openxmlformats.org/officeDocument/2006/math" xmlns:a14="http://schemas.microsoft.com/office/drawing/2010/main" xmlns:ma14="http://schemas.microsoft.com/office/mac/drawingml/2011/main" val="1"/>
             </a:ext>
           </a:extLst>
         </p:spPr>
@@ -3664,7 +3664,7 @@
           </a:ln>
           <a:extLst>
             <a:ext uri="{C572A759-6A51-4108-AA02-DFA0A04FC94B}">
-              <ma14:wrappingTextBoxFlag xmlns:ma14="http://schemas.microsoft.com/office/mac/drawingml/2011/main" xmlns:a14="http://schemas.microsoft.com/office/drawing/2010/main" xmlns:m="http://schemas.openxmlformats.org/officeDocument/2006/math" xmlns="" val="1"/>
+              <ma14:wrappingTextBoxFlag xmlns="" xmlns:m="http://schemas.openxmlformats.org/officeDocument/2006/math" xmlns:a14="http://schemas.microsoft.com/office/drawing/2010/main" xmlns:ma14="http://schemas.microsoft.com/office/mac/drawingml/2011/main" val="1"/>
             </a:ext>
           </a:extLst>
         </p:spPr>
@@ -4059,7 +4059,7 @@
           </a:ln>
           <a:extLst>
             <a:ext uri="{C572A759-6A51-4108-AA02-DFA0A04FC94B}">
-              <ma14:wrappingTextBoxFlag xmlns:ma14="http://schemas.microsoft.com/office/mac/drawingml/2011/main" xmlns:a14="http://schemas.microsoft.com/office/drawing/2010/main" xmlns:m="http://schemas.openxmlformats.org/officeDocument/2006/math" xmlns="" val="1"/>
+              <ma14:wrappingTextBoxFlag xmlns="" xmlns:m="http://schemas.openxmlformats.org/officeDocument/2006/math" xmlns:a14="http://schemas.microsoft.com/office/drawing/2010/main" xmlns:ma14="http://schemas.microsoft.com/office/mac/drawingml/2011/main" val="1"/>
             </a:ext>
           </a:extLst>
         </p:spPr>
@@ -4229,7 +4229,7 @@
           </a:ln>
           <a:extLst>
             <a:ext uri="{C572A759-6A51-4108-AA02-DFA0A04FC94B}">
-              <ma14:wrappingTextBoxFlag xmlns:ma14="http://schemas.microsoft.com/office/mac/drawingml/2011/main" xmlns:a14="http://schemas.microsoft.com/office/drawing/2010/main" xmlns:m="http://schemas.openxmlformats.org/officeDocument/2006/math" xmlns="" val="1"/>
+              <ma14:wrappingTextBoxFlag xmlns="" xmlns:m="http://schemas.openxmlformats.org/officeDocument/2006/math" xmlns:a14="http://schemas.microsoft.com/office/drawing/2010/main" xmlns:ma14="http://schemas.microsoft.com/office/mac/drawingml/2011/main" val="1"/>
             </a:ext>
           </a:extLst>
         </p:spPr>
@@ -4274,7 +4274,7 @@
           </a:ln>
           <a:extLst>
             <a:ext uri="{C572A759-6A51-4108-AA02-DFA0A04FC94B}">
-              <ma14:wrappingTextBoxFlag xmlns:ma14="http://schemas.microsoft.com/office/mac/drawingml/2011/main" xmlns:a14="http://schemas.microsoft.com/office/drawing/2010/main" xmlns:m="http://schemas.openxmlformats.org/officeDocument/2006/math" xmlns="" val="1"/>
+              <ma14:wrappingTextBoxFlag xmlns="" xmlns:m="http://schemas.openxmlformats.org/officeDocument/2006/math" xmlns:a14="http://schemas.microsoft.com/office/drawing/2010/main" xmlns:ma14="http://schemas.microsoft.com/office/mac/drawingml/2011/main" val="1"/>
             </a:ext>
           </a:extLst>
         </p:spPr>
@@ -4468,7 +4468,7 @@
           </a:ln>
           <a:extLst>
             <a:ext uri="{C572A759-6A51-4108-AA02-DFA0A04FC94B}">
-              <ma14:wrappingTextBoxFlag xmlns:ma14="http://schemas.microsoft.com/office/mac/drawingml/2011/main" xmlns:a14="http://schemas.microsoft.com/office/drawing/2010/main" xmlns:m="http://schemas.openxmlformats.org/officeDocument/2006/math" xmlns="" val="1"/>
+              <ma14:wrappingTextBoxFlag xmlns="" xmlns:m="http://schemas.openxmlformats.org/officeDocument/2006/math" xmlns:a14="http://schemas.microsoft.com/office/drawing/2010/main" xmlns:ma14="http://schemas.microsoft.com/office/mac/drawingml/2011/main" val="1"/>
             </a:ext>
           </a:extLst>
         </p:spPr>
@@ -4638,7 +4638,7 @@
           </a:ln>
           <a:extLst>
             <a:ext uri="{C572A759-6A51-4108-AA02-DFA0A04FC94B}">
-              <ma14:wrappingTextBoxFlag xmlns:ma14="http://schemas.microsoft.com/office/mac/drawingml/2011/main" xmlns:a14="http://schemas.microsoft.com/office/drawing/2010/main" xmlns:m="http://schemas.openxmlformats.org/officeDocument/2006/math" xmlns="" val="1"/>
+              <ma14:wrappingTextBoxFlag xmlns="" xmlns:m="http://schemas.openxmlformats.org/officeDocument/2006/math" xmlns:a14="http://schemas.microsoft.com/office/drawing/2010/main" xmlns:ma14="http://schemas.microsoft.com/office/mac/drawingml/2011/main" val="1"/>
             </a:ext>
           </a:extLst>
         </p:spPr>
@@ -4688,7 +4688,7 @@
           </a:ln>
           <a:extLst>
             <a:ext uri="{C572A759-6A51-4108-AA02-DFA0A04FC94B}">
-              <ma14:wrappingTextBoxFlag xmlns:ma14="http://schemas.microsoft.com/office/mac/drawingml/2011/main" xmlns:a14="http://schemas.microsoft.com/office/drawing/2010/main" xmlns:m="http://schemas.openxmlformats.org/officeDocument/2006/math" xmlns="" val="1"/>
+              <ma14:wrappingTextBoxFlag xmlns="" xmlns:m="http://schemas.openxmlformats.org/officeDocument/2006/math" xmlns:a14="http://schemas.microsoft.com/office/drawing/2010/main" xmlns:ma14="http://schemas.microsoft.com/office/mac/drawingml/2011/main" val="1"/>
             </a:ext>
           </a:extLst>
         </p:spPr>
@@ -4747,215 +4747,297 @@
           </a:ln>
         </p:spPr>
       </p:pic>
-      <p:sp>
-        <p:nvSpPr>
-          <p:cNvPr id="7" name="Text Text Text Text Text Text Text Text Text Text Text Text Text Text Text Text Text Text Text Text Text Text Text Text Text Text Text Text Text Text Text Text Text Text Text Text Text Text Text Text Text Text Text Text Text Text Text Text Text Text Text Text Text Text Text Text Text Text Text Text Text Text Text Text Text Text Text Text Text Text Text Text Text Text Text Text Text Text Text Text Text Text Text Text Text Text Text Text Text Text Text Text Text Text Text Text Text Text Text Text Text Text Text Text Text Text Text Text…">
-            <a:extLst>
-              <a:ext uri="{FF2B5EF4-FFF2-40B4-BE49-F238E27FC236}">
-                <a16:creationId xmlns:a16="http://schemas.microsoft.com/office/drawing/2014/main" id="{50BE98E9-07D8-4540-899B-1A824936870D}"/>
-              </a:ext>
-            </a:extLst>
-          </p:cNvPr>
-          <p:cNvSpPr txBox="1"/>
-          <p:nvPr/>
-        </p:nvSpPr>
-        <p:spPr>
-          <a:xfrm>
-            <a:off x="1182627" y="4857209"/>
-            <a:ext cx="21506374" cy="7843807"/>
-          </a:xfrm>
-          <a:prstGeom prst="rect">
-            <a:avLst/>
-          </a:prstGeom>
-          <a:ln w="12700">
-            <a:miter lim="400000"/>
-          </a:ln>
-          <a:extLst>
-            <a:ext uri="{C572A759-6A51-4108-AA02-DFA0A04FC94B}">
-              <ma14:wrappingTextBoxFlag xmlns:ma14="http://schemas.microsoft.com/office/mac/drawingml/2011/main" xmlns:m="http://schemas.openxmlformats.org/officeDocument/2006/math" xmlns="" xmlns:a14="http://schemas.microsoft.com/office/drawing/2010/main" xmlns:mc="http://schemas.openxmlformats.org/markup-compatibility/2006" val="1"/>
-            </a:ext>
-          </a:extLst>
-        </p:spPr>
-        <p:txBody>
-          <a:bodyPr lIns="71437" tIns="71437" rIns="71437" bIns="71437" numCol="2" spcCol="1075318"/>
-          <a:lstStyle/>
-          <a:p>
-            <a:pPr algn="l">
-              <a:spcBef>
-                <a:spcPts val="2800"/>
-              </a:spcBef>
-              <a:buSzPct val="100000"/>
-              <a:defRPr sz="2800">
-                <a:solidFill>
-                  <a:srgbClr val="253957"/>
-                </a:solidFill>
-                <a:latin typeface="+mn-lt"/>
-                <a:ea typeface="+mn-ea"/>
-                <a:cs typeface="+mn-cs"/>
-                <a:sym typeface="Arial Narrow"/>
-              </a:defRPr>
-            </a:pPr>
-            <a:r>
-              <a:rPr lang="ru-RU" sz="3600" dirty="0"/>
-              <a:t>1.	Если текущее общее количество операций с деревом равно 0, или больше 10000, или не кратно 1000, то выйти из алгоритма, иначе перейти к шагу 2.</a:t>
-            </a:r>
-          </a:p>
-          <a:p>
-            <a:pPr algn="l">
-              <a:spcBef>
-                <a:spcPts val="2800"/>
-              </a:spcBef>
-              <a:buSzPct val="100000"/>
-              <a:defRPr sz="2800">
-                <a:solidFill>
-                  <a:srgbClr val="253957"/>
-                </a:solidFill>
-                <a:latin typeface="+mn-lt"/>
-                <a:ea typeface="+mn-ea"/>
-                <a:cs typeface="+mn-cs"/>
-                <a:sym typeface="Arial Narrow"/>
-              </a:defRPr>
-            </a:pPr>
-            <a:r>
-              <a:rPr lang="ru-RU" sz="3600" dirty="0"/>
-              <a:t>2.	Если текущее количество операций с изменением данных в дереве (вставок ключей в дерево, удалений ключей из дерева) составляет менее 10 % от текущего общего количества операций с деревом, то выйти из алгоритма, иначе перейти к шагу 3.</a:t>
-            </a:r>
-          </a:p>
-          <a:p>
-            <a:pPr algn="l">
-              <a:spcBef>
-                <a:spcPts val="2800"/>
-              </a:spcBef>
-              <a:buSzPct val="100000"/>
-              <a:defRPr sz="2800">
-                <a:solidFill>
-                  <a:srgbClr val="253957"/>
-                </a:solidFill>
-                <a:latin typeface="+mn-lt"/>
-                <a:ea typeface="+mn-ea"/>
-                <a:cs typeface="+mn-cs"/>
-                <a:sym typeface="Arial Narrow"/>
-              </a:defRPr>
-            </a:pPr>
-            <a:endParaRPr lang="ru-RU" sz="3600" dirty="0"/>
-          </a:p>
-          <a:p>
-            <a:pPr algn="l">
-              <a:spcBef>
-                <a:spcPts val="2800"/>
-              </a:spcBef>
-              <a:buSzPct val="100000"/>
-              <a:defRPr sz="2800">
-                <a:solidFill>
-                  <a:srgbClr val="253957"/>
-                </a:solidFill>
-                <a:latin typeface="+mn-lt"/>
-                <a:ea typeface="+mn-ea"/>
-                <a:cs typeface="+mn-cs"/>
-                <a:sym typeface="Arial Narrow"/>
-              </a:defRPr>
-            </a:pPr>
-            <a:endParaRPr lang="ru-RU" sz="3600" dirty="0"/>
-          </a:p>
-          <a:p>
-            <a:pPr algn="l">
-              <a:spcBef>
-                <a:spcPts val="2800"/>
-              </a:spcBef>
-              <a:buSzPct val="100000"/>
-              <a:defRPr sz="2800">
-                <a:solidFill>
-                  <a:srgbClr val="253957"/>
-                </a:solidFill>
-                <a:latin typeface="+mn-lt"/>
-                <a:ea typeface="+mn-ea"/>
-                <a:cs typeface="+mn-cs"/>
-                <a:sym typeface="Arial Narrow"/>
-              </a:defRPr>
-            </a:pPr>
-            <a:endParaRPr lang="ru-RU" sz="3600" dirty="0"/>
-          </a:p>
-          <a:p>
-            <a:pPr algn="l">
-              <a:spcBef>
-                <a:spcPts val="2800"/>
-              </a:spcBef>
-              <a:buSzPct val="100000"/>
-              <a:defRPr sz="2800">
-                <a:solidFill>
-                  <a:srgbClr val="253957"/>
-                </a:solidFill>
-                <a:latin typeface="+mn-lt"/>
-                <a:ea typeface="+mn-ea"/>
-                <a:cs typeface="+mn-cs"/>
-                <a:sym typeface="Arial Narrow"/>
-              </a:defRPr>
-            </a:pPr>
-            <a:r>
-              <a:rPr lang="ru-RU" sz="3600" dirty="0"/>
-              <a:t>3.	Если текущее количество операций вставки в дерево составляет более 73,97 % от текущего количества операций с изменением данных в дереве, то выбрать в качестве индексирующей структуры данных B</a:t>
-            </a:r>
-            <a:r>
-              <a:rPr lang="ru-RU" sz="3600" baseline="30000" dirty="0"/>
-              <a:t>*</a:t>
-            </a:r>
-            <a:r>
-              <a:rPr lang="ru-RU" sz="3600" dirty="0"/>
-              <a:t>-дерево и перейти к шагу 5, иначе перейти к шагу 4.</a:t>
-            </a:r>
-          </a:p>
-          <a:p>
-            <a:pPr algn="l">
-              <a:spcBef>
-                <a:spcPts val="2800"/>
-              </a:spcBef>
-              <a:buSzPct val="100000"/>
-              <a:defRPr sz="2800">
-                <a:solidFill>
-                  <a:srgbClr val="253957"/>
-                </a:solidFill>
-                <a:latin typeface="+mn-lt"/>
-                <a:ea typeface="+mn-ea"/>
-                <a:cs typeface="+mn-cs"/>
-                <a:sym typeface="Arial Narrow"/>
-              </a:defRPr>
-            </a:pPr>
-            <a:r>
-              <a:rPr lang="ru-RU" sz="3600" dirty="0"/>
-              <a:t>4.	Выбрать в качестве индексирующей структуры данных B</a:t>
-            </a:r>
-            <a:r>
-              <a:rPr lang="ru-RU" sz="3600" baseline="30000" dirty="0"/>
-              <a:t>*+</a:t>
-            </a:r>
-            <a:r>
-              <a:rPr lang="ru-RU" sz="3600" dirty="0"/>
-              <a:t>-дерево и перейти к шагу 5.</a:t>
-            </a:r>
-          </a:p>
-          <a:p>
-            <a:pPr algn="l">
-              <a:spcBef>
-                <a:spcPts val="2800"/>
-              </a:spcBef>
-              <a:buSzPct val="100000"/>
-              <a:defRPr sz="2800">
-                <a:solidFill>
-                  <a:srgbClr val="253957"/>
-                </a:solidFill>
-                <a:latin typeface="+mn-lt"/>
-                <a:ea typeface="+mn-ea"/>
-                <a:cs typeface="+mn-cs"/>
-                <a:sym typeface="Arial Narrow"/>
-              </a:defRPr>
-            </a:pPr>
-            <a:r>
-              <a:rPr lang="ru-RU" sz="3600" dirty="0"/>
-              <a:t>5.	Если в шагах 3 – 4 была выбрана новая индексирующая структура данных, то перестроить имеющуюся индексирующую структуру данных на выбранную в шагах 3 – 4, сохранив все имеющиеся в ней данные.</a:t>
-            </a:r>
-          </a:p>
-        </p:txBody>
-      </p:sp>
+      <mc:AlternateContent xmlns:mc="http://schemas.openxmlformats.org/markup-compatibility/2006">
+        <mc:Choice xmlns:a14="http://schemas.microsoft.com/office/drawing/2010/main" Requires="a14">
+          <p:sp>
+            <p:nvSpPr>
+              <p:cNvPr id="7" name="Text Text Text Text Text Text Text Text Text Text Text Text Text Text Text Text Text Text Text Text Text Text Text Text Text Text Text Text Text Text Text Text Text Text Text Text Text Text Text Text Text Text Text Text Text Text Text Text Text Text Text Text Text Text Text Text Text Text Text Text Text Text Text Text Text Text Text Text Text Text Text Text Text Text Text Text Text Text Text Text Text Text Text Text Text Text Text Text Text Text Text Text Text Text Text Text Text Text Text Text Text Text Text Text Text Text Text Text…">
+                <a:extLst>
+                  <a:ext uri="{FF2B5EF4-FFF2-40B4-BE49-F238E27FC236}">
+                    <a16:creationId xmlns:a16="http://schemas.microsoft.com/office/drawing/2014/main" id="{50BE98E9-07D8-4540-899B-1A824936870D}"/>
+                  </a:ext>
+                </a:extLst>
+              </p:cNvPr>
+              <p:cNvSpPr txBox="1"/>
+              <p:nvPr/>
+            </p:nvSpPr>
+            <p:spPr>
+              <a:xfrm>
+                <a:off x="1182627" y="4857209"/>
+                <a:ext cx="21506374" cy="7843807"/>
+              </a:xfrm>
+              <a:prstGeom prst="rect">
+                <a:avLst/>
+              </a:prstGeom>
+              <a:ln w="12700">
+                <a:miter lim="400000"/>
+              </a:ln>
+              <a:extLst>
+                <a:ext uri="{C572A759-6A51-4108-AA02-DFA0A04FC94B}">
+                  <ma14:wrappingTextBoxFlag xmlns="" xmlns:m="http://schemas.openxmlformats.org/officeDocument/2006/math" xmlns:ma14="http://schemas.microsoft.com/office/mac/drawingml/2011/main" val="1"/>
+                </a:ext>
+              </a:extLst>
+            </p:spPr>
+            <p:txBody>
+              <a:bodyPr lIns="71437" tIns="71437" rIns="71437" bIns="71437" numCol="2" spcCol="1075318"/>
+              <a:lstStyle/>
+              <a:p>
+                <a:pPr algn="l">
+                  <a:spcBef>
+                    <a:spcPts val="2800"/>
+                  </a:spcBef>
+                  <a:buSzPct val="100000"/>
+                  <a:defRPr sz="2800">
+                    <a:solidFill>
+                      <a:srgbClr val="253957"/>
+                    </a:solidFill>
+                    <a:latin typeface="+mn-lt"/>
+                    <a:ea typeface="+mn-ea"/>
+                    <a:cs typeface="+mn-cs"/>
+                    <a:sym typeface="Arial Narrow"/>
+                  </a:defRPr>
+                </a:pPr>
+                <a:r>
+                  <a:rPr lang="ru-RU" sz="3600" dirty="0"/>
+                  <a:t>1.	Если текущее общее количество операций с деревом равно 0, или больше 10000, или не кратно 1000, то выйти из алгоритма, иначе перейти к шагу 2.</a:t>
+                </a:r>
+              </a:p>
+              <a:p>
+                <a:pPr algn="l">
+                  <a:spcBef>
+                    <a:spcPts val="2800"/>
+                  </a:spcBef>
+                  <a:buSzPct val="100000"/>
+                  <a:defRPr sz="2800">
+                    <a:solidFill>
+                      <a:srgbClr val="253957"/>
+                    </a:solidFill>
+                    <a:latin typeface="+mn-lt"/>
+                    <a:ea typeface="+mn-ea"/>
+                    <a:cs typeface="+mn-cs"/>
+                    <a:sym typeface="Arial Narrow"/>
+                  </a:defRPr>
+                </a:pPr>
+                <a:r>
+                  <a:rPr lang="ru-RU" sz="3600" dirty="0"/>
+                  <a:t>2.	Если текущее количество операций с изменением данных в дереве (вставок ключей в дерево, удалений ключей из дерева) составляет менее 10 % от текущего общего количества операций с деревом, то выйти из алгоритма, иначе перейти к шагу 3.</a:t>
+                </a:r>
+              </a:p>
+              <a:p>
+                <a:pPr algn="l">
+                  <a:spcBef>
+                    <a:spcPts val="2800"/>
+                  </a:spcBef>
+                  <a:buSzPct val="100000"/>
+                  <a:defRPr sz="2800">
+                    <a:solidFill>
+                      <a:srgbClr val="253957"/>
+                    </a:solidFill>
+                    <a:latin typeface="+mn-lt"/>
+                    <a:ea typeface="+mn-ea"/>
+                    <a:cs typeface="+mn-cs"/>
+                    <a:sym typeface="Arial Narrow"/>
+                  </a:defRPr>
+                </a:pPr>
+                <a:endParaRPr lang="ru-RU" sz="3600" dirty="0"/>
+              </a:p>
+              <a:p>
+                <a:pPr algn="l">
+                  <a:spcBef>
+                    <a:spcPts val="2800"/>
+                  </a:spcBef>
+                  <a:buSzPct val="100000"/>
+                  <a:defRPr sz="2800">
+                    <a:solidFill>
+                      <a:srgbClr val="253957"/>
+                    </a:solidFill>
+                    <a:latin typeface="+mn-lt"/>
+                    <a:ea typeface="+mn-ea"/>
+                    <a:cs typeface="+mn-cs"/>
+                    <a:sym typeface="Arial Narrow"/>
+                  </a:defRPr>
+                </a:pPr>
+                <a:endParaRPr lang="ru-RU" sz="3600" dirty="0"/>
+              </a:p>
+              <a:p>
+                <a:pPr algn="l">
+                  <a:spcBef>
+                    <a:spcPts val="2800"/>
+                  </a:spcBef>
+                  <a:buSzPct val="100000"/>
+                  <a:defRPr sz="2800">
+                    <a:solidFill>
+                      <a:srgbClr val="253957"/>
+                    </a:solidFill>
+                    <a:latin typeface="+mn-lt"/>
+                    <a:ea typeface="+mn-ea"/>
+                    <a:cs typeface="+mn-cs"/>
+                    <a:sym typeface="Arial Narrow"/>
+                  </a:defRPr>
+                </a:pPr>
+                <a:endParaRPr lang="ru-RU" sz="3600" dirty="0"/>
+              </a:p>
+              <a:p>
+                <a:pPr algn="l">
+                  <a:spcBef>
+                    <a:spcPts val="2800"/>
+                  </a:spcBef>
+                  <a:buSzPct val="100000"/>
+                  <a:defRPr sz="2800">
+                    <a:solidFill>
+                      <a:srgbClr val="253957"/>
+                    </a:solidFill>
+                    <a:latin typeface="+mn-lt"/>
+                    <a:ea typeface="+mn-ea"/>
+                    <a:cs typeface="+mn-cs"/>
+                    <a:sym typeface="Arial Narrow"/>
+                  </a:defRPr>
+                </a:pPr>
+                <a:r>
+                  <a:rPr lang="ru-RU" sz="3600" dirty="0"/>
+                  <a:t>3.	Если текущее количество операций вставки в дерево составляет более </a:t>
+                </a:r>
+                <a14:m>
+                  <m:oMath xmlns:m="http://schemas.openxmlformats.org/officeDocument/2006/math">
+                    <m:r>
+                      <a:rPr lang="en-US" sz="3600" i="1" dirty="0" smtClean="0">
+                        <a:latin typeface="Cambria Math" panose="02040503050406030204" pitchFamily="18" charset="0"/>
+                      </a:rPr>
+                      <m:t>𝑝</m:t>
+                    </m:r>
+                    <m:r>
+                      <a:rPr lang="en-US" sz="3600" i="1" dirty="0" smtClean="0">
+                        <a:latin typeface="Cambria Math" panose="02040503050406030204" pitchFamily="18" charset="0"/>
+                      </a:rPr>
+                      <m:t> = 73,9</m:t>
+                    </m:r>
+                    <m:r>
+                      <a:rPr lang="ru-RU" sz="3600" i="1" dirty="0" smtClean="0">
+                        <a:latin typeface="Cambria Math" panose="02040503050406030204" pitchFamily="18" charset="0"/>
+                      </a:rPr>
+                      <m:t>7 %</m:t>
+                    </m:r>
+                  </m:oMath>
+                </a14:m>
+                <a:r>
+                  <a:rPr lang="ru-RU" sz="3600" dirty="0"/>
+                  <a:t> от текущего количества операций с изменением данных в дереве, то выбрать в качестве индексирующей структуры данных B</a:t>
+                </a:r>
+                <a:r>
+                  <a:rPr lang="ru-RU" sz="3600" baseline="30000" dirty="0"/>
+                  <a:t>*</a:t>
+                </a:r>
+                <a:r>
+                  <a:rPr lang="ru-RU" sz="3600" dirty="0"/>
+                  <a:t>-дерево и перейти к шагу 5, иначе перейти к шагу 4.</a:t>
+                </a:r>
+              </a:p>
+              <a:p>
+                <a:pPr algn="l">
+                  <a:spcBef>
+                    <a:spcPts val="2800"/>
+                  </a:spcBef>
+                  <a:buSzPct val="100000"/>
+                  <a:defRPr sz="2800">
+                    <a:solidFill>
+                      <a:srgbClr val="253957"/>
+                    </a:solidFill>
+                    <a:latin typeface="+mn-lt"/>
+                    <a:ea typeface="+mn-ea"/>
+                    <a:cs typeface="+mn-cs"/>
+                    <a:sym typeface="Arial Narrow"/>
+                  </a:defRPr>
+                </a:pPr>
+                <a:r>
+                  <a:rPr lang="ru-RU" sz="3600" dirty="0"/>
+                  <a:t>4.	Выбрать в качестве индексирующей структуры данных B</a:t>
+                </a:r>
+                <a:r>
+                  <a:rPr lang="ru-RU" sz="3600" baseline="30000" dirty="0"/>
+                  <a:t>*+</a:t>
+                </a:r>
+                <a:r>
+                  <a:rPr lang="ru-RU" sz="3600" dirty="0"/>
+                  <a:t>-дерево и перейти к шагу 5.</a:t>
+                </a:r>
+              </a:p>
+              <a:p>
+                <a:pPr algn="l">
+                  <a:spcBef>
+                    <a:spcPts val="2800"/>
+                  </a:spcBef>
+                  <a:buSzPct val="100000"/>
+                  <a:defRPr sz="2800">
+                    <a:solidFill>
+                      <a:srgbClr val="253957"/>
+                    </a:solidFill>
+                    <a:latin typeface="+mn-lt"/>
+                    <a:ea typeface="+mn-ea"/>
+                    <a:cs typeface="+mn-cs"/>
+                    <a:sym typeface="Arial Narrow"/>
+                  </a:defRPr>
+                </a:pPr>
+                <a:r>
+                  <a:rPr lang="ru-RU" sz="3600" dirty="0"/>
+                  <a:t>5.	Если в шагах 3 – 4 была выбрана новая индексирующая структура данных, то перестроить имеющуюся индексирующую структуру данных на выбранную в шагах 3 – 4, сохранив все имеющиеся в ней данные.</a:t>
+                </a:r>
+              </a:p>
+            </p:txBody>
+          </p:sp>
+        </mc:Choice>
+        <mc:Fallback>
+          <p:sp>
+            <p:nvSpPr>
+              <p:cNvPr id="7" name="Text Text Text Text Text Text Text Text Text Text Text Text Text Text Text Text Text Text Text Text Text Text Text Text Text Text Text Text Text Text Text Text Text Text Text Text Text Text Text Text Text Text Text Text Text Text Text Text Text Text Text Text Text Text Text Text Text Text Text Text Text Text Text Text Text Text Text Text Text Text Text Text Text Text Text Text Text Text Text Text Text Text Text Text Text Text Text Text Text Text Text Text Text Text Text Text Text Text Text Text Text Text Text Text Text Text Text Text…">
+                <a:extLst>
+                  <a:ext uri="{FF2B5EF4-FFF2-40B4-BE49-F238E27FC236}">
+                    <a16:creationId xmlns:a16="http://schemas.microsoft.com/office/drawing/2014/main" id="{50BE98E9-07D8-4540-899B-1A824936870D}"/>
+                  </a:ext>
+                </a:extLst>
+              </p:cNvPr>
+              <p:cNvSpPr txBox="1">
+                <a:spLocks noRot="1" noChangeAspect="1" noMove="1" noResize="1" noEditPoints="1" noAdjustHandles="1" noChangeArrowheads="1" noChangeShapeType="1" noTextEdit="1"/>
+              </p:cNvSpPr>
+              <p:nvPr/>
+            </p:nvSpPr>
+            <p:spPr>
+              <a:xfrm>
+                <a:off x="1182627" y="4857209"/>
+                <a:ext cx="21506374" cy="7843807"/>
+              </a:xfrm>
+              <a:prstGeom prst="rect">
+                <a:avLst/>
+              </a:prstGeom>
+              <a:blipFill>
+                <a:blip r:embed="rId4"/>
+                <a:stretch>
+                  <a:fillRect l="-964" t="-855" r="-1247"/>
+                </a:stretch>
+              </a:blipFill>
+              <a:ln w="12700">
+                <a:miter lim="400000"/>
+              </a:ln>
+              <a:extLst>
+                <a:ext uri="{C572A759-6A51-4108-AA02-DFA0A04FC94B}">
+                  <ma14:wrappingTextBoxFlag xmlns:a14="http://schemas.microsoft.com/office/drawing/2010/main" xmlns="" xmlns:m="http://schemas.openxmlformats.org/officeDocument/2006/math" xmlns:ma14="http://schemas.microsoft.com/office/mac/drawingml/2011/main" val="1"/>
+                </a:ext>
+              </a:extLst>
+            </p:spPr>
+            <p:txBody>
+              <a:bodyPr/>
+              <a:lstStyle/>
+              <a:p>
+                <a:r>
+                  <a:rPr lang="ru-RU">
+                    <a:noFill/>
+                  </a:rPr>
+                  <a:t> </a:t>
+                </a:r>
+              </a:p>
+            </p:txBody>
+          </p:sp>
+        </mc:Fallback>
+      </mc:AlternateContent>
       <p:sp>
         <p:nvSpPr>
           <p:cNvPr id="2" name="Номер слайда 1">
@@ -5067,7 +5149,7 @@
           </a:ln>
           <a:extLst>
             <a:ext uri="{C572A759-6A51-4108-AA02-DFA0A04FC94B}">
-              <ma14:wrappingTextBoxFlag xmlns:ma14="http://schemas.microsoft.com/office/mac/drawingml/2011/main" xmlns:a14="http://schemas.microsoft.com/office/drawing/2010/main" xmlns:m="http://schemas.openxmlformats.org/officeDocument/2006/math" xmlns="" val="1"/>
+              <ma14:wrappingTextBoxFlag xmlns="" xmlns:m="http://schemas.openxmlformats.org/officeDocument/2006/math" xmlns:a14="http://schemas.microsoft.com/office/drawing/2010/main" xmlns:ma14="http://schemas.microsoft.com/office/mac/drawingml/2011/main" val="1"/>
             </a:ext>
           </a:extLst>
         </p:spPr>
@@ -5117,7 +5199,7 @@
           </a:ln>
           <a:extLst>
             <a:ext uri="{C572A759-6A51-4108-AA02-DFA0A04FC94B}">
-              <ma14:wrappingTextBoxFlag xmlns:ma14="http://schemas.microsoft.com/office/mac/drawingml/2011/main" xmlns:a14="http://schemas.microsoft.com/office/drawing/2010/main" xmlns:m="http://schemas.openxmlformats.org/officeDocument/2006/math" xmlns="" val="1"/>
+              <ma14:wrappingTextBoxFlag xmlns="" xmlns:m="http://schemas.openxmlformats.org/officeDocument/2006/math" xmlns:a14="http://schemas.microsoft.com/office/drawing/2010/main" xmlns:ma14="http://schemas.microsoft.com/office/mac/drawingml/2011/main" val="1"/>
             </a:ext>
           </a:extLst>
         </p:spPr>
@@ -5323,7 +5405,7 @@
           </a:ln>
           <a:extLst>
             <a:ext uri="{C572A759-6A51-4108-AA02-DFA0A04FC94B}">
-              <ma14:wrappingTextBoxFlag xmlns:ma14="http://schemas.microsoft.com/office/mac/drawingml/2011/main" xmlns:a14="http://schemas.microsoft.com/office/drawing/2010/main" xmlns:m="http://schemas.openxmlformats.org/officeDocument/2006/math" xmlns="" val="1"/>
+              <ma14:wrappingTextBoxFlag xmlns="" xmlns:m="http://schemas.openxmlformats.org/officeDocument/2006/math" xmlns:a14="http://schemas.microsoft.com/office/drawing/2010/main" xmlns:ma14="http://schemas.microsoft.com/office/mac/drawingml/2011/main" val="1"/>
             </a:ext>
           </a:extLst>
         </p:spPr>
@@ -5368,7 +5450,7 @@
           </a:ln>
           <a:extLst>
             <a:ext uri="{C572A759-6A51-4108-AA02-DFA0A04FC94B}">
-              <ma14:wrappingTextBoxFlag xmlns:ma14="http://schemas.microsoft.com/office/mac/drawingml/2011/main" xmlns:a14="http://schemas.microsoft.com/office/drawing/2010/main" xmlns:m="http://schemas.openxmlformats.org/officeDocument/2006/math" xmlns="" val="1"/>
+              <ma14:wrappingTextBoxFlag xmlns="" xmlns:m="http://schemas.openxmlformats.org/officeDocument/2006/math" xmlns:a14="http://schemas.microsoft.com/office/drawing/2010/main" xmlns:ma14="http://schemas.microsoft.com/office/mac/drawingml/2011/main" val="1"/>
             </a:ext>
           </a:extLst>
         </p:spPr>
@@ -8014,7 +8096,7 @@
           </a:ln>
           <a:extLst>
             <a:ext uri="{C572A759-6A51-4108-AA02-DFA0A04FC94B}">
-              <ma14:wrappingTextBoxFlag xmlns:ma14="http://schemas.microsoft.com/office/mac/drawingml/2011/main" xmlns:a14="http://schemas.microsoft.com/office/drawing/2010/main" xmlns:m="http://schemas.openxmlformats.org/officeDocument/2006/math" xmlns="" val="1"/>
+              <ma14:wrappingTextBoxFlag xmlns="" xmlns:m="http://schemas.openxmlformats.org/officeDocument/2006/math" xmlns:a14="http://schemas.microsoft.com/office/drawing/2010/main" xmlns:ma14="http://schemas.microsoft.com/office/mac/drawingml/2011/main" val="1"/>
             </a:ext>
           </a:extLst>
         </p:spPr>
@@ -8059,7 +8141,7 @@
           </a:ln>
           <a:extLst>
             <a:ext uri="{C572A759-6A51-4108-AA02-DFA0A04FC94B}">
-              <ma14:wrappingTextBoxFlag xmlns:ma14="http://schemas.microsoft.com/office/mac/drawingml/2011/main" xmlns:a14="http://schemas.microsoft.com/office/drawing/2010/main" xmlns:m="http://schemas.openxmlformats.org/officeDocument/2006/math" xmlns="" val="1"/>
+              <ma14:wrappingTextBoxFlag xmlns="" xmlns:m="http://schemas.openxmlformats.org/officeDocument/2006/math" xmlns:a14="http://schemas.microsoft.com/office/drawing/2010/main" xmlns:ma14="http://schemas.microsoft.com/office/mac/drawingml/2011/main" val="1"/>
             </a:ext>
           </a:extLst>
         </p:spPr>
@@ -8265,7 +8347,7 @@
           </a:ln>
           <a:extLst>
             <a:ext uri="{C572A759-6A51-4108-AA02-DFA0A04FC94B}">
-              <ma14:wrappingTextBoxFlag xmlns:ma14="http://schemas.microsoft.com/office/mac/drawingml/2011/main" xmlns:a14="http://schemas.microsoft.com/office/drawing/2010/main" xmlns:m="http://schemas.openxmlformats.org/officeDocument/2006/math" xmlns="" val="1"/>
+              <ma14:wrappingTextBoxFlag xmlns="" xmlns:m="http://schemas.openxmlformats.org/officeDocument/2006/math" xmlns:a14="http://schemas.microsoft.com/office/drawing/2010/main" xmlns:ma14="http://schemas.microsoft.com/office/mac/drawingml/2011/main" val="1"/>
             </a:ext>
           </a:extLst>
         </p:spPr>
@@ -8310,7 +8392,7 @@
           </a:ln>
           <a:extLst>
             <a:ext uri="{C572A759-6A51-4108-AA02-DFA0A04FC94B}">
-              <ma14:wrappingTextBoxFlag xmlns:ma14="http://schemas.microsoft.com/office/mac/drawingml/2011/main" xmlns:a14="http://schemas.microsoft.com/office/drawing/2010/main" xmlns:m="http://schemas.openxmlformats.org/officeDocument/2006/math" xmlns="" val="1"/>
+              <ma14:wrappingTextBoxFlag xmlns="" xmlns:m="http://schemas.openxmlformats.org/officeDocument/2006/math" xmlns:a14="http://schemas.microsoft.com/office/drawing/2010/main" xmlns:ma14="http://schemas.microsoft.com/office/mac/drawingml/2011/main" val="1"/>
             </a:ext>
           </a:extLst>
         </p:spPr>
@@ -8767,7 +8849,7 @@
           </a:ln>
           <a:extLst>
             <a:ext uri="{C572A759-6A51-4108-AA02-DFA0A04FC94B}">
-              <ma14:wrappingTextBoxFlag xmlns:ma14="http://schemas.microsoft.com/office/mac/drawingml/2011/main" xmlns:a14="http://schemas.microsoft.com/office/drawing/2010/main" xmlns:m="http://schemas.openxmlformats.org/officeDocument/2006/math" xmlns="" val="1"/>
+              <ma14:wrappingTextBoxFlag xmlns="" xmlns:m="http://schemas.openxmlformats.org/officeDocument/2006/math" xmlns:a14="http://schemas.microsoft.com/office/drawing/2010/main" xmlns:ma14="http://schemas.microsoft.com/office/mac/drawingml/2011/main" val="1"/>
             </a:ext>
           </a:extLst>
         </p:spPr>
@@ -8812,7 +8894,7 @@
           </a:ln>
           <a:extLst>
             <a:ext uri="{C572A759-6A51-4108-AA02-DFA0A04FC94B}">
-              <ma14:wrappingTextBoxFlag xmlns:ma14="http://schemas.microsoft.com/office/mac/drawingml/2011/main" xmlns:a14="http://schemas.microsoft.com/office/drawing/2010/main" xmlns:m="http://schemas.openxmlformats.org/officeDocument/2006/math" xmlns="" val="1"/>
+              <ma14:wrappingTextBoxFlag xmlns="" xmlns:m="http://schemas.openxmlformats.org/officeDocument/2006/math" xmlns:a14="http://schemas.microsoft.com/office/drawing/2010/main" xmlns:ma14="http://schemas.microsoft.com/office/mac/drawingml/2011/main" val="1"/>
             </a:ext>
           </a:extLst>
         </p:spPr>
@@ -8961,7 +9043,7 @@
           </a:ln>
           <a:extLst>
             <a:ext uri="{C572A759-6A51-4108-AA02-DFA0A04FC94B}">
-              <ma14:wrappingTextBoxFlag xmlns:ma14="http://schemas.microsoft.com/office/mac/drawingml/2011/main" xmlns:a14="http://schemas.microsoft.com/office/drawing/2010/main" xmlns:m="http://schemas.openxmlformats.org/officeDocument/2006/math" xmlns="" val="1"/>
+              <ma14:wrappingTextBoxFlag xmlns="" xmlns:m="http://schemas.openxmlformats.org/officeDocument/2006/math" xmlns:a14="http://schemas.microsoft.com/office/drawing/2010/main" xmlns:ma14="http://schemas.microsoft.com/office/mac/drawingml/2011/main" val="1"/>
             </a:ext>
           </a:extLst>
         </p:spPr>
@@ -9131,7 +9213,7 @@
           </a:ln>
           <a:extLst>
             <a:ext uri="{C572A759-6A51-4108-AA02-DFA0A04FC94B}">
-              <ma14:wrappingTextBoxFlag xmlns:ma14="http://schemas.microsoft.com/office/mac/drawingml/2011/main" xmlns:a14="http://schemas.microsoft.com/office/drawing/2010/main" xmlns:m="http://schemas.openxmlformats.org/officeDocument/2006/math" xmlns="" val="1"/>
+              <ma14:wrappingTextBoxFlag xmlns="" xmlns:m="http://schemas.openxmlformats.org/officeDocument/2006/math" xmlns:a14="http://schemas.microsoft.com/office/drawing/2010/main" xmlns:ma14="http://schemas.microsoft.com/office/mac/drawingml/2011/main" val="1"/>
             </a:ext>
           </a:extLst>
         </p:spPr>
@@ -9176,7 +9258,7 @@
           </a:ln>
           <a:extLst>
             <a:ext uri="{C572A759-6A51-4108-AA02-DFA0A04FC94B}">
-              <ma14:wrappingTextBoxFlag xmlns:ma14="http://schemas.microsoft.com/office/mac/drawingml/2011/main" xmlns:a14="http://schemas.microsoft.com/office/drawing/2010/main" xmlns:m="http://schemas.openxmlformats.org/officeDocument/2006/math" xmlns="" val="1"/>
+              <ma14:wrappingTextBoxFlag xmlns="" xmlns:m="http://schemas.openxmlformats.org/officeDocument/2006/math" xmlns:a14="http://schemas.microsoft.com/office/drawing/2010/main" xmlns:ma14="http://schemas.microsoft.com/office/mac/drawingml/2011/main" val="1"/>
             </a:ext>
           </a:extLst>
         </p:spPr>
@@ -9690,7 +9772,7 @@
           </a:ln>
           <a:extLst>
             <a:ext uri="{C572A759-6A51-4108-AA02-DFA0A04FC94B}">
-              <ma14:wrappingTextBoxFlag xmlns:ma14="http://schemas.microsoft.com/office/mac/drawingml/2011/main" xmlns:a14="http://schemas.microsoft.com/office/drawing/2010/main" xmlns:m="http://schemas.openxmlformats.org/officeDocument/2006/math" xmlns="" val="1"/>
+              <ma14:wrappingTextBoxFlag xmlns="" xmlns:m="http://schemas.openxmlformats.org/officeDocument/2006/math" xmlns:a14="http://schemas.microsoft.com/office/drawing/2010/main" xmlns:ma14="http://schemas.microsoft.com/office/mac/drawingml/2011/main" val="1"/>
             </a:ext>
           </a:extLst>
         </p:spPr>
@@ -9735,7 +9817,7 @@
           </a:ln>
           <a:extLst>
             <a:ext uri="{C572A759-6A51-4108-AA02-DFA0A04FC94B}">
-              <ma14:wrappingTextBoxFlag xmlns:ma14="http://schemas.microsoft.com/office/mac/drawingml/2011/main" xmlns:a14="http://schemas.microsoft.com/office/drawing/2010/main" xmlns:m="http://schemas.openxmlformats.org/officeDocument/2006/math" xmlns="" val="1"/>
+              <ma14:wrappingTextBoxFlag xmlns="" xmlns:m="http://schemas.openxmlformats.org/officeDocument/2006/math" xmlns:a14="http://schemas.microsoft.com/office/drawing/2010/main" xmlns:ma14="http://schemas.microsoft.com/office/mac/drawingml/2011/main" val="1"/>
             </a:ext>
           </a:extLst>
         </p:spPr>
@@ -10318,7 +10400,7 @@
           </a:ln>
           <a:extLst>
             <a:ext uri="{C572A759-6A51-4108-AA02-DFA0A04FC94B}">
-              <ma14:wrappingTextBoxFlag xmlns:ma14="http://schemas.microsoft.com/office/mac/drawingml/2011/main" xmlns:a14="http://schemas.microsoft.com/office/drawing/2010/main" xmlns:m="http://schemas.openxmlformats.org/officeDocument/2006/math" xmlns="" val="1"/>
+              <ma14:wrappingTextBoxFlag xmlns="" xmlns:m="http://schemas.openxmlformats.org/officeDocument/2006/math" xmlns:a14="http://schemas.microsoft.com/office/drawing/2010/main" xmlns:ma14="http://schemas.microsoft.com/office/mac/drawingml/2011/main" val="1"/>
             </a:ext>
           </a:extLst>
         </p:spPr>
@@ -10363,7 +10445,7 @@
           </a:ln>
           <a:extLst>
             <a:ext uri="{C572A759-6A51-4108-AA02-DFA0A04FC94B}">
-              <ma14:wrappingTextBoxFlag xmlns:ma14="http://schemas.microsoft.com/office/mac/drawingml/2011/main" xmlns:a14="http://schemas.microsoft.com/office/drawing/2010/main" xmlns:m="http://schemas.openxmlformats.org/officeDocument/2006/math" xmlns="" val="1"/>
+              <ma14:wrappingTextBoxFlag xmlns="" xmlns:m="http://schemas.openxmlformats.org/officeDocument/2006/math" xmlns:a14="http://schemas.microsoft.com/office/drawing/2010/main" xmlns:ma14="http://schemas.microsoft.com/office/mac/drawingml/2011/main" val="1"/>
             </a:ext>
           </a:extLst>
         </p:spPr>
@@ -10519,7 +10601,7 @@
           </a:ln>
           <a:extLst>
             <a:ext uri="{C572A759-6A51-4108-AA02-DFA0A04FC94B}">
-              <ma14:wrappingTextBoxFlag xmlns:ma14="http://schemas.microsoft.com/office/mac/drawingml/2011/main" xmlns:a14="http://schemas.microsoft.com/office/drawing/2010/main" xmlns:m="http://schemas.openxmlformats.org/officeDocument/2006/math" xmlns="" val="1"/>
+              <ma14:wrappingTextBoxFlag xmlns="" xmlns:m="http://schemas.openxmlformats.org/officeDocument/2006/math" xmlns:a14="http://schemas.microsoft.com/office/drawing/2010/main" xmlns:ma14="http://schemas.microsoft.com/office/mac/drawingml/2011/main" val="1"/>
             </a:ext>
           </a:extLst>
         </p:spPr>
@@ -10684,7 +10766,7 @@
           </a:ln>
           <a:extLst>
             <a:ext uri="{C572A759-6A51-4108-AA02-DFA0A04FC94B}">
-              <ma14:wrappingTextBoxFlag xmlns:ma14="http://schemas.microsoft.com/office/mac/drawingml/2011/main" xmlns:a14="http://schemas.microsoft.com/office/drawing/2010/main" xmlns:m="http://schemas.openxmlformats.org/officeDocument/2006/math" xmlns="" val="1"/>
+              <ma14:wrappingTextBoxFlag xmlns="" xmlns:m="http://schemas.openxmlformats.org/officeDocument/2006/math" xmlns:a14="http://schemas.microsoft.com/office/drawing/2010/main" xmlns:ma14="http://schemas.microsoft.com/office/mac/drawingml/2011/main" val="1"/>
             </a:ext>
           </a:extLst>
         </p:spPr>
@@ -10729,7 +10811,7 @@
           </a:ln>
           <a:extLst>
             <a:ext uri="{C572A759-6A51-4108-AA02-DFA0A04FC94B}">
-              <ma14:wrappingTextBoxFlag xmlns:ma14="http://schemas.microsoft.com/office/mac/drawingml/2011/main" xmlns:a14="http://schemas.microsoft.com/office/drawing/2010/main" xmlns:m="http://schemas.openxmlformats.org/officeDocument/2006/math" xmlns="" val="1"/>
+              <ma14:wrappingTextBoxFlag xmlns="" xmlns:m="http://schemas.openxmlformats.org/officeDocument/2006/math" xmlns:a14="http://schemas.microsoft.com/office/drawing/2010/main" xmlns:ma14="http://schemas.microsoft.com/office/mac/drawingml/2011/main" val="1"/>
             </a:ext>
           </a:extLst>
         </p:spPr>
@@ -11711,7 +11793,7 @@
           </a:ln>
           <a:extLst>
             <a:ext uri="{C572A759-6A51-4108-AA02-DFA0A04FC94B}">
-              <ma14:wrappingTextBoxFlag xmlns:ma14="http://schemas.microsoft.com/office/mac/drawingml/2011/main" xmlns:a14="http://schemas.microsoft.com/office/drawing/2010/main" xmlns:m="http://schemas.openxmlformats.org/officeDocument/2006/math" xmlns="" val="1"/>
+              <ma14:wrappingTextBoxFlag xmlns="" xmlns:m="http://schemas.openxmlformats.org/officeDocument/2006/math" xmlns:a14="http://schemas.microsoft.com/office/drawing/2010/main" xmlns:ma14="http://schemas.microsoft.com/office/mac/drawingml/2011/main" val="1"/>
             </a:ext>
           </a:extLst>
         </p:spPr>
@@ -11756,7 +11838,7 @@
           </a:ln>
           <a:extLst>
             <a:ext uri="{C572A759-6A51-4108-AA02-DFA0A04FC94B}">
-              <ma14:wrappingTextBoxFlag xmlns:ma14="http://schemas.microsoft.com/office/mac/drawingml/2011/main" xmlns:a14="http://schemas.microsoft.com/office/drawing/2010/main" xmlns:m="http://schemas.openxmlformats.org/officeDocument/2006/math" xmlns="" val="1"/>
+              <ma14:wrappingTextBoxFlag xmlns="" xmlns:m="http://schemas.openxmlformats.org/officeDocument/2006/math" xmlns:a14="http://schemas.microsoft.com/office/drawing/2010/main" xmlns:ma14="http://schemas.microsoft.com/office/mac/drawingml/2011/main" val="1"/>
             </a:ext>
           </a:extLst>
         </p:spPr>
@@ -11954,7 +12036,7 @@
           </a:ln>
           <a:extLst>
             <a:ext uri="{C572A759-6A51-4108-AA02-DFA0A04FC94B}">
-              <ma14:wrappingTextBoxFlag xmlns:ma14="http://schemas.microsoft.com/office/mac/drawingml/2011/main" xmlns:a14="http://schemas.microsoft.com/office/drawing/2010/main" xmlns:m="http://schemas.openxmlformats.org/officeDocument/2006/math" xmlns="" val="1"/>
+              <ma14:wrappingTextBoxFlag xmlns="" xmlns:m="http://schemas.openxmlformats.org/officeDocument/2006/math" xmlns:a14="http://schemas.microsoft.com/office/drawing/2010/main" xmlns:ma14="http://schemas.microsoft.com/office/mac/drawingml/2011/main" val="1"/>
             </a:ext>
           </a:extLst>
         </p:spPr>
@@ -11999,7 +12081,7 @@
           </a:ln>
           <a:extLst>
             <a:ext uri="{C572A759-6A51-4108-AA02-DFA0A04FC94B}">
-              <ma14:wrappingTextBoxFlag xmlns:ma14="http://schemas.microsoft.com/office/mac/drawingml/2011/main" xmlns:a14="http://schemas.microsoft.com/office/drawing/2010/main" xmlns:m="http://schemas.openxmlformats.org/officeDocument/2006/math" xmlns="" val="1"/>
+              <ma14:wrappingTextBoxFlag xmlns="" xmlns:m="http://schemas.openxmlformats.org/officeDocument/2006/math" xmlns:a14="http://schemas.microsoft.com/office/drawing/2010/main" xmlns:ma14="http://schemas.microsoft.com/office/mac/drawingml/2011/main" val="1"/>
             </a:ext>
           </a:extLst>
         </p:spPr>
@@ -12603,7 +12685,7 @@
           </a:ln>
           <a:extLst>
             <a:ext uri="{C572A759-6A51-4108-AA02-DFA0A04FC94B}">
-              <ma14:wrappingTextBoxFlag xmlns:ma14="http://schemas.microsoft.com/office/mac/drawingml/2011/main" xmlns:a14="http://schemas.microsoft.com/office/drawing/2010/main" xmlns:m="http://schemas.openxmlformats.org/officeDocument/2006/math" xmlns="" val="1"/>
+              <ma14:wrappingTextBoxFlag xmlns="" xmlns:m="http://schemas.openxmlformats.org/officeDocument/2006/math" xmlns:a14="http://schemas.microsoft.com/office/drawing/2010/main" xmlns:ma14="http://schemas.microsoft.com/office/mac/drawingml/2011/main" val="1"/>
             </a:ext>
           </a:extLst>
         </p:spPr>
@@ -12648,7 +12730,7 @@
           </a:ln>
           <a:extLst>
             <a:ext uri="{C572A759-6A51-4108-AA02-DFA0A04FC94B}">
-              <ma14:wrappingTextBoxFlag xmlns:ma14="http://schemas.microsoft.com/office/mac/drawingml/2011/main" xmlns:a14="http://schemas.microsoft.com/office/drawing/2010/main" xmlns:m="http://schemas.openxmlformats.org/officeDocument/2006/math" xmlns="" val="1"/>
+              <ma14:wrappingTextBoxFlag xmlns="" xmlns:m="http://schemas.openxmlformats.org/officeDocument/2006/math" xmlns:a14="http://schemas.microsoft.com/office/drawing/2010/main" xmlns:ma14="http://schemas.microsoft.com/office/mac/drawingml/2011/main" val="1"/>
             </a:ext>
           </a:extLst>
         </p:spPr>
@@ -13329,7 +13411,7 @@
           </a:ln>
           <a:extLst>
             <a:ext uri="{C572A759-6A51-4108-AA02-DFA0A04FC94B}">
-              <ma14:wrappingTextBoxFlag xmlns:ma14="http://schemas.microsoft.com/office/mac/drawingml/2011/main" xmlns:a14="http://schemas.microsoft.com/office/drawing/2010/main" xmlns:m="http://schemas.openxmlformats.org/officeDocument/2006/math" xmlns="" val="1"/>
+              <ma14:wrappingTextBoxFlag xmlns="" xmlns:m="http://schemas.openxmlformats.org/officeDocument/2006/math" xmlns:a14="http://schemas.microsoft.com/office/drawing/2010/main" xmlns:ma14="http://schemas.microsoft.com/office/mac/drawingml/2011/main" val="1"/>
             </a:ext>
           </a:extLst>
         </p:spPr>
@@ -13379,7 +13461,7 @@
           </a:ln>
           <a:extLst>
             <a:ext uri="{C572A759-6A51-4108-AA02-DFA0A04FC94B}">
-              <ma14:wrappingTextBoxFlag xmlns:ma14="http://schemas.microsoft.com/office/mac/drawingml/2011/main" xmlns:a14="http://schemas.microsoft.com/office/drawing/2010/main" xmlns:m="http://schemas.openxmlformats.org/officeDocument/2006/math" xmlns="" val="1"/>
+              <ma14:wrappingTextBoxFlag xmlns="" xmlns:m="http://schemas.openxmlformats.org/officeDocument/2006/math" xmlns:a14="http://schemas.microsoft.com/office/drawing/2010/main" xmlns:ma14="http://schemas.microsoft.com/office/mac/drawingml/2011/main" val="1"/>
             </a:ext>
           </a:extLst>
         </p:spPr>
@@ -13530,7 +13612,7 @@
                 <a:cs typeface="+mn-cs"/>
                 <a:sym typeface="Arial Narrow"/>
               </a:rPr>
-              <a:t>Выигрыш в скорости вставки у B</a:t>
+              <a:t>Преимущество в скорости вставки у B</a:t>
             </a:r>
             <a:r>
               <a:rPr lang="ru-RU" sz="4800" baseline="30000" dirty="0">
@@ -13578,7 +13660,7 @@
                 <a:cs typeface="+mn-cs"/>
                 <a:sym typeface="Arial Narrow"/>
               </a:rPr>
-              <a:t>-деревом в рамках данного эксперимента незначителен</a:t>
+              <a:t>-деревом в рамках данного эксперимента незначительно</a:t>
             </a:r>
           </a:p>
           <a:p>
@@ -13653,7 +13735,7 @@
           </a:ln>
           <a:extLst>
             <a:ext uri="{C572A759-6A51-4108-AA02-DFA0A04FC94B}">
-              <ma14:wrappingTextBoxFlag xmlns:ma14="http://schemas.microsoft.com/office/mac/drawingml/2011/main" xmlns:a14="http://schemas.microsoft.com/office/drawing/2010/main" xmlns:m="http://schemas.openxmlformats.org/officeDocument/2006/math" xmlns="" val="1"/>
+              <ma14:wrappingTextBoxFlag xmlns="" xmlns:m="http://schemas.openxmlformats.org/officeDocument/2006/math" xmlns:a14="http://schemas.microsoft.com/office/drawing/2010/main" xmlns:ma14="http://schemas.microsoft.com/office/mac/drawingml/2011/main" val="1"/>
             </a:ext>
           </a:extLst>
         </p:spPr>
@@ -13823,7 +13905,7 @@
           </a:ln>
           <a:extLst>
             <a:ext uri="{C572A759-6A51-4108-AA02-DFA0A04FC94B}">
-              <ma14:wrappingTextBoxFlag xmlns:ma14="http://schemas.microsoft.com/office/mac/drawingml/2011/main" xmlns:a14="http://schemas.microsoft.com/office/drawing/2010/main" xmlns:m="http://schemas.openxmlformats.org/officeDocument/2006/math" xmlns="" val="1"/>
+              <ma14:wrappingTextBoxFlag xmlns="" xmlns:m="http://schemas.openxmlformats.org/officeDocument/2006/math" xmlns:a14="http://schemas.microsoft.com/office/drawing/2010/main" xmlns:ma14="http://schemas.microsoft.com/office/mac/drawingml/2011/main" val="1"/>
             </a:ext>
           </a:extLst>
         </p:spPr>
@@ -13868,7 +13950,7 @@
           </a:ln>
           <a:extLst>
             <a:ext uri="{C572A759-6A51-4108-AA02-DFA0A04FC94B}">
-              <ma14:wrappingTextBoxFlag xmlns:ma14="http://schemas.microsoft.com/office/mac/drawingml/2011/main" xmlns:a14="http://schemas.microsoft.com/office/drawing/2010/main" xmlns:m="http://schemas.openxmlformats.org/officeDocument/2006/math" xmlns="" val="1"/>
+              <ma14:wrappingTextBoxFlag xmlns="" xmlns:m="http://schemas.openxmlformats.org/officeDocument/2006/math" xmlns:a14="http://schemas.microsoft.com/office/drawing/2010/main" xmlns:ma14="http://schemas.microsoft.com/office/mac/drawingml/2011/main" val="1"/>
             </a:ext>
           </a:extLst>
         </p:spPr>
@@ -14095,7 +14177,7 @@
           </a:ln>
           <a:extLst>
             <a:ext uri="{C572A759-6A51-4108-AA02-DFA0A04FC94B}">
-              <ma14:wrappingTextBoxFlag xmlns:ma14="http://schemas.microsoft.com/office/mac/drawingml/2011/main" xmlns:a14="http://schemas.microsoft.com/office/drawing/2010/main" xmlns:m="http://schemas.openxmlformats.org/officeDocument/2006/math" xmlns="" val="1"/>
+              <ma14:wrappingTextBoxFlag xmlns="" xmlns:m="http://schemas.openxmlformats.org/officeDocument/2006/math" xmlns:a14="http://schemas.microsoft.com/office/drawing/2010/main" xmlns:ma14="http://schemas.microsoft.com/office/mac/drawingml/2011/main" val="1"/>
             </a:ext>
           </a:extLst>
         </p:spPr>
@@ -14265,7 +14347,7 @@
           </a:ln>
           <a:extLst>
             <a:ext uri="{C572A759-6A51-4108-AA02-DFA0A04FC94B}">
-              <ma14:wrappingTextBoxFlag xmlns:ma14="http://schemas.microsoft.com/office/mac/drawingml/2011/main" xmlns:a14="http://schemas.microsoft.com/office/drawing/2010/main" xmlns:m="http://schemas.openxmlformats.org/officeDocument/2006/math" xmlns="" val="1"/>
+              <ma14:wrappingTextBoxFlag xmlns="" xmlns:m="http://schemas.openxmlformats.org/officeDocument/2006/math" xmlns:a14="http://schemas.microsoft.com/office/drawing/2010/main" xmlns:ma14="http://schemas.microsoft.com/office/mac/drawingml/2011/main" val="1"/>
             </a:ext>
           </a:extLst>
         </p:spPr>
@@ -14310,7 +14392,7 @@
           </a:ln>
           <a:extLst>
             <a:ext uri="{C572A759-6A51-4108-AA02-DFA0A04FC94B}">
-              <ma14:wrappingTextBoxFlag xmlns:ma14="http://schemas.microsoft.com/office/mac/drawingml/2011/main" xmlns:a14="http://schemas.microsoft.com/office/drawing/2010/main" xmlns:m="http://schemas.openxmlformats.org/officeDocument/2006/math" xmlns="" val="1"/>
+              <ma14:wrappingTextBoxFlag xmlns="" xmlns:m="http://schemas.openxmlformats.org/officeDocument/2006/math" xmlns:a14="http://schemas.microsoft.com/office/drawing/2010/main" xmlns:ma14="http://schemas.microsoft.com/office/mac/drawingml/2011/main" val="1"/>
             </a:ext>
           </a:extLst>
         </p:spPr>
@@ -14420,7 +14502,7 @@
           </a:ln>
           <a:extLst>
             <a:ext uri="{C572A759-6A51-4108-AA02-DFA0A04FC94B}">
-              <ma14:wrappingTextBoxFlag xmlns:ma14="http://schemas.microsoft.com/office/mac/drawingml/2011/main" xmlns:a14="http://schemas.microsoft.com/office/drawing/2010/main" xmlns:m="http://schemas.openxmlformats.org/officeDocument/2006/math" xmlns="" val="1"/>
+              <ma14:wrappingTextBoxFlag xmlns="" xmlns:m="http://schemas.openxmlformats.org/officeDocument/2006/math" xmlns:a14="http://schemas.microsoft.com/office/drawing/2010/main" xmlns:ma14="http://schemas.microsoft.com/office/mac/drawingml/2011/main" val="1"/>
             </a:ext>
           </a:extLst>
         </p:spPr>
@@ -14590,7 +14672,7 @@
           </a:ln>
           <a:extLst>
             <a:ext uri="{C572A759-6A51-4108-AA02-DFA0A04FC94B}">
-              <ma14:wrappingTextBoxFlag xmlns:ma14="http://schemas.microsoft.com/office/mac/drawingml/2011/main" xmlns:a14="http://schemas.microsoft.com/office/drawing/2010/main" xmlns:m="http://schemas.openxmlformats.org/officeDocument/2006/math" xmlns="" val="1"/>
+              <ma14:wrappingTextBoxFlag xmlns="" xmlns:m="http://schemas.openxmlformats.org/officeDocument/2006/math" xmlns:a14="http://schemas.microsoft.com/office/drawing/2010/main" xmlns:ma14="http://schemas.microsoft.com/office/mac/drawingml/2011/main" val="1"/>
             </a:ext>
           </a:extLst>
         </p:spPr>
@@ -14635,7 +14717,7 @@
           </a:ln>
           <a:extLst>
             <a:ext uri="{C572A759-6A51-4108-AA02-DFA0A04FC94B}">
-              <ma14:wrappingTextBoxFlag xmlns:ma14="http://schemas.microsoft.com/office/mac/drawingml/2011/main" xmlns:a14="http://schemas.microsoft.com/office/drawing/2010/main" xmlns:m="http://schemas.openxmlformats.org/officeDocument/2006/math" xmlns="" val="1"/>
+              <ma14:wrappingTextBoxFlag xmlns="" xmlns:m="http://schemas.openxmlformats.org/officeDocument/2006/math" xmlns:a14="http://schemas.microsoft.com/office/drawing/2010/main" xmlns:ma14="http://schemas.microsoft.com/office/mac/drawingml/2011/main" val="1"/>
             </a:ext>
           </a:extLst>
         </p:spPr>
@@ -14842,7 +14924,7 @@
           </a:ln>
           <a:extLst>
             <a:ext uri="{C572A759-6A51-4108-AA02-DFA0A04FC94B}">
-              <ma14:wrappingTextBoxFlag xmlns:ma14="http://schemas.microsoft.com/office/mac/drawingml/2011/main" xmlns:a14="http://schemas.microsoft.com/office/drawing/2010/main" xmlns:m="http://schemas.openxmlformats.org/officeDocument/2006/math" xmlns="" val="1"/>
+              <ma14:wrappingTextBoxFlag xmlns="" xmlns:m="http://schemas.openxmlformats.org/officeDocument/2006/math" xmlns:a14="http://schemas.microsoft.com/office/drawing/2010/main" xmlns:ma14="http://schemas.microsoft.com/office/mac/drawingml/2011/main" val="1"/>
             </a:ext>
           </a:extLst>
         </p:spPr>
@@ -14980,7 +15062,7 @@
           </a:ln>
           <a:extLst>
             <a:ext uri="{C572A759-6A51-4108-AA02-DFA0A04FC94B}">
-              <ma14:wrappingTextBoxFlag xmlns:ma14="http://schemas.microsoft.com/office/mac/drawingml/2011/main" xmlns:a14="http://schemas.microsoft.com/office/drawing/2010/main" xmlns:m="http://schemas.openxmlformats.org/officeDocument/2006/math" xmlns="" val="1"/>
+              <ma14:wrappingTextBoxFlag xmlns="" xmlns:m="http://schemas.openxmlformats.org/officeDocument/2006/math" xmlns:a14="http://schemas.microsoft.com/office/drawing/2010/main" xmlns:ma14="http://schemas.microsoft.com/office/mac/drawingml/2011/main" val="1"/>
             </a:ext>
           </a:extLst>
         </p:spPr>
@@ -15269,7 +15351,7 @@
           </a:ln>
           <a:extLst>
             <a:ext uri="{C572A759-6A51-4108-AA02-DFA0A04FC94B}">
-              <ma14:wrappingTextBoxFlag xmlns:ma14="http://schemas.microsoft.com/office/mac/drawingml/2011/main" xmlns:a14="http://schemas.microsoft.com/office/drawing/2010/main" xmlns:m="http://schemas.openxmlformats.org/officeDocument/2006/math" xmlns="" val="1"/>
+              <ma14:wrappingTextBoxFlag xmlns="" xmlns:m="http://schemas.openxmlformats.org/officeDocument/2006/math" xmlns:a14="http://schemas.microsoft.com/office/drawing/2010/main" xmlns:ma14="http://schemas.microsoft.com/office/mac/drawingml/2011/main" val="1"/>
             </a:ext>
           </a:extLst>
         </p:spPr>
@@ -15382,7 +15464,7 @@
           </a:ln>
           <a:extLst>
             <a:ext uri="{C572A759-6A51-4108-AA02-DFA0A04FC94B}">
-              <ma14:wrappingTextBoxFlag xmlns:ma14="http://schemas.microsoft.com/office/mac/drawingml/2011/main" xmlns:a14="http://schemas.microsoft.com/office/drawing/2010/main" xmlns:m="http://schemas.openxmlformats.org/officeDocument/2006/math" xmlns="" val="1"/>
+              <ma14:wrappingTextBoxFlag xmlns="" xmlns:m="http://schemas.openxmlformats.org/officeDocument/2006/math" xmlns:a14="http://schemas.microsoft.com/office/drawing/2010/main" xmlns:ma14="http://schemas.microsoft.com/office/mac/drawingml/2011/main" val="1"/>
             </a:ext>
           </a:extLst>
         </p:spPr>
@@ -15521,7 +15603,7 @@
           </a:ln>
           <a:extLst>
             <a:ext uri="{C572A759-6A51-4108-AA02-DFA0A04FC94B}">
-              <ma14:wrappingTextBoxFlag xmlns="" xmlns:m="http://schemas.openxmlformats.org/officeDocument/2006/math" xmlns:a14="http://schemas.microsoft.com/office/drawing/2010/main" xmlns:ma14="http://schemas.microsoft.com/office/mac/drawingml/2011/main" val="1"/>
+              <ma14:wrappingTextBoxFlag xmlns:ma14="http://schemas.microsoft.com/office/mac/drawingml/2011/main" xmlns:a14="http://schemas.microsoft.com/office/drawing/2010/main" xmlns:m="http://schemas.openxmlformats.org/officeDocument/2006/math" xmlns="" val="1"/>
             </a:ext>
           </a:extLst>
         </p:spPr>
@@ -15764,7 +15846,7 @@
           </a:ln>
           <a:extLst>
             <a:ext uri="{C572A759-6A51-4108-AA02-DFA0A04FC94B}">
-              <ma14:wrappingTextBoxFlag xmlns:ma14="http://schemas.microsoft.com/office/mac/drawingml/2011/main" xmlns:a14="http://schemas.microsoft.com/office/drawing/2010/main" xmlns:m="http://schemas.openxmlformats.org/officeDocument/2006/math" xmlns="" val="1"/>
+              <ma14:wrappingTextBoxFlag xmlns="" xmlns:m="http://schemas.openxmlformats.org/officeDocument/2006/math" xmlns:a14="http://schemas.microsoft.com/office/drawing/2010/main" xmlns:ma14="http://schemas.microsoft.com/office/mac/drawingml/2011/main" val="1"/>
             </a:ext>
           </a:extLst>
         </p:spPr>
@@ -15809,7 +15891,7 @@
           </a:ln>
           <a:extLst>
             <a:ext uri="{C572A759-6A51-4108-AA02-DFA0A04FC94B}">
-              <ma14:wrappingTextBoxFlag xmlns:ma14="http://schemas.microsoft.com/office/mac/drawingml/2011/main" xmlns:a14="http://schemas.microsoft.com/office/drawing/2010/main" xmlns:m="http://schemas.openxmlformats.org/officeDocument/2006/math" xmlns="" val="1"/>
+              <ma14:wrappingTextBoxFlag xmlns="" xmlns:m="http://schemas.openxmlformats.org/officeDocument/2006/math" xmlns:a14="http://schemas.microsoft.com/office/drawing/2010/main" xmlns:ma14="http://schemas.microsoft.com/office/mac/drawingml/2011/main" val="1"/>
             </a:ext>
           </a:extLst>
         </p:spPr>
@@ -15893,7 +15975,7 @@
           </a:ln>
           <a:extLst>
             <a:ext uri="{C572A759-6A51-4108-AA02-DFA0A04FC94B}">
-              <ma14:wrappingTextBoxFlag xmlns:ma14="http://schemas.microsoft.com/office/mac/drawingml/2011/main" xmlns:a14="http://schemas.microsoft.com/office/drawing/2010/main" xmlns:m="http://schemas.openxmlformats.org/officeDocument/2006/math" xmlns="" val="1"/>
+              <ma14:wrappingTextBoxFlag xmlns="" xmlns:m="http://schemas.openxmlformats.org/officeDocument/2006/math" xmlns:a14="http://schemas.microsoft.com/office/drawing/2010/main" xmlns:ma14="http://schemas.microsoft.com/office/mac/drawingml/2011/main" val="1"/>
             </a:ext>
           </a:extLst>
         </p:spPr>
@@ -16752,7 +16834,7 @@
           </a:ln>
           <a:extLst>
             <a:ext uri="{C572A759-6A51-4108-AA02-DFA0A04FC94B}">
-              <ma14:wrappingTextBoxFlag xmlns:ma14="http://schemas.microsoft.com/office/mac/drawingml/2011/main" xmlns:a14="http://schemas.microsoft.com/office/drawing/2010/main" xmlns:m="http://schemas.openxmlformats.org/officeDocument/2006/math" xmlns="" val="1"/>
+              <ma14:wrappingTextBoxFlag xmlns="" xmlns:m="http://schemas.openxmlformats.org/officeDocument/2006/math" xmlns:a14="http://schemas.microsoft.com/office/drawing/2010/main" xmlns:ma14="http://schemas.microsoft.com/office/mac/drawingml/2011/main" val="1"/>
             </a:ext>
           </a:extLst>
         </p:spPr>
@@ -16797,7 +16879,7 @@
           </a:ln>
           <a:extLst>
             <a:ext uri="{C572A759-6A51-4108-AA02-DFA0A04FC94B}">
-              <ma14:wrappingTextBoxFlag xmlns:ma14="http://schemas.microsoft.com/office/mac/drawingml/2011/main" xmlns:a14="http://schemas.microsoft.com/office/drawing/2010/main" xmlns:m="http://schemas.openxmlformats.org/officeDocument/2006/math" xmlns="" val="1"/>
+              <ma14:wrappingTextBoxFlag xmlns="" xmlns:m="http://schemas.openxmlformats.org/officeDocument/2006/math" xmlns:a14="http://schemas.microsoft.com/office/drawing/2010/main" xmlns:ma14="http://schemas.microsoft.com/office/mac/drawingml/2011/main" val="1"/>
             </a:ext>
           </a:extLst>
         </p:spPr>
@@ -16883,7 +16965,7 @@
               </a:ln>
               <a:extLst>
                 <a:ext uri="{C572A759-6A51-4108-AA02-DFA0A04FC94B}">
-                  <ma14:wrappingTextBoxFlag xmlns:ma14="http://schemas.microsoft.com/office/mac/drawingml/2011/main" xmlns:m="http://schemas.openxmlformats.org/officeDocument/2006/math" xmlns="" val="1"/>
+                  <ma14:wrappingTextBoxFlag xmlns="" xmlns:m="http://schemas.openxmlformats.org/officeDocument/2006/math" xmlns:ma14="http://schemas.microsoft.com/office/mac/drawingml/2011/main" val="1"/>
                 </a:ext>
               </a:extLst>
             </p:spPr>
@@ -17718,7 +17800,7 @@
           </a:ln>
           <a:extLst>
             <a:ext uri="{C572A759-6A51-4108-AA02-DFA0A04FC94B}">
-              <ma14:wrappingTextBoxFlag xmlns:ma14="http://schemas.microsoft.com/office/mac/drawingml/2011/main" xmlns:a14="http://schemas.microsoft.com/office/drawing/2010/main" xmlns:m="http://schemas.openxmlformats.org/officeDocument/2006/math" xmlns="" val="1"/>
+              <ma14:wrappingTextBoxFlag xmlns="" xmlns:m="http://schemas.openxmlformats.org/officeDocument/2006/math" xmlns:a14="http://schemas.microsoft.com/office/drawing/2010/main" xmlns:ma14="http://schemas.microsoft.com/office/mac/drawingml/2011/main" val="1"/>
             </a:ext>
           </a:extLst>
         </p:spPr>
@@ -17763,7 +17845,7 @@
           </a:ln>
           <a:extLst>
             <a:ext uri="{C572A759-6A51-4108-AA02-DFA0A04FC94B}">
-              <ma14:wrappingTextBoxFlag xmlns:ma14="http://schemas.microsoft.com/office/mac/drawingml/2011/main" xmlns:a14="http://schemas.microsoft.com/office/drawing/2010/main" xmlns:m="http://schemas.openxmlformats.org/officeDocument/2006/math" xmlns="" val="1"/>
+              <ma14:wrappingTextBoxFlag xmlns="" xmlns:m="http://schemas.openxmlformats.org/officeDocument/2006/math" xmlns:a14="http://schemas.microsoft.com/office/drawing/2010/main" xmlns:ma14="http://schemas.microsoft.com/office/mac/drawingml/2011/main" val="1"/>
             </a:ext>
           </a:extLst>
         </p:spPr>
@@ -17849,7 +17931,7 @@
               </a:ln>
               <a:extLst>
                 <a:ext uri="{C572A759-6A51-4108-AA02-DFA0A04FC94B}">
-                  <ma14:wrappingTextBoxFlag xmlns:ma14="http://schemas.microsoft.com/office/mac/drawingml/2011/main" xmlns:m="http://schemas.openxmlformats.org/officeDocument/2006/math" xmlns="" val="1"/>
+                  <ma14:wrappingTextBoxFlag xmlns="" xmlns:m="http://schemas.openxmlformats.org/officeDocument/2006/math" xmlns:ma14="http://schemas.microsoft.com/office/mac/drawingml/2011/main" val="1"/>
                 </a:ext>
               </a:extLst>
             </p:spPr>
@@ -18449,7 +18531,7 @@
           </a:ln>
           <a:extLst>
             <a:ext uri="{C572A759-6A51-4108-AA02-DFA0A04FC94B}">
-              <ma14:wrappingTextBoxFlag xmlns:ma14="http://schemas.microsoft.com/office/mac/drawingml/2011/main" xmlns:a14="http://schemas.microsoft.com/office/drawing/2010/main" xmlns:m="http://schemas.openxmlformats.org/officeDocument/2006/math" xmlns="" val="1"/>
+              <ma14:wrappingTextBoxFlag xmlns="" xmlns:m="http://schemas.openxmlformats.org/officeDocument/2006/math" xmlns:a14="http://schemas.microsoft.com/office/drawing/2010/main" xmlns:ma14="http://schemas.microsoft.com/office/mac/drawingml/2011/main" val="1"/>
             </a:ext>
           </a:extLst>
         </p:spPr>
@@ -18494,7 +18576,7 @@
           </a:ln>
           <a:extLst>
             <a:ext uri="{C572A759-6A51-4108-AA02-DFA0A04FC94B}">
-              <ma14:wrappingTextBoxFlag xmlns:ma14="http://schemas.microsoft.com/office/mac/drawingml/2011/main" xmlns:a14="http://schemas.microsoft.com/office/drawing/2010/main" xmlns:m="http://schemas.openxmlformats.org/officeDocument/2006/math" xmlns="" val="1"/>
+              <ma14:wrappingTextBoxFlag xmlns="" xmlns:m="http://schemas.openxmlformats.org/officeDocument/2006/math" xmlns:a14="http://schemas.microsoft.com/office/drawing/2010/main" xmlns:ma14="http://schemas.microsoft.com/office/mac/drawingml/2011/main" val="1"/>
             </a:ext>
           </a:extLst>
         </p:spPr>
@@ -18822,7 +18904,7 @@
           </a:ln>
           <a:extLst>
             <a:ext uri="{C572A759-6A51-4108-AA02-DFA0A04FC94B}">
-              <ma14:wrappingTextBoxFlag xmlns:ma14="http://schemas.microsoft.com/office/mac/drawingml/2011/main" xmlns:a14="http://schemas.microsoft.com/office/drawing/2010/main" xmlns:m="http://schemas.openxmlformats.org/officeDocument/2006/math" xmlns="" val="1"/>
+              <ma14:wrappingTextBoxFlag xmlns="" xmlns:m="http://schemas.openxmlformats.org/officeDocument/2006/math" xmlns:a14="http://schemas.microsoft.com/office/drawing/2010/main" xmlns:ma14="http://schemas.microsoft.com/office/mac/drawingml/2011/main" val="1"/>
             </a:ext>
           </a:extLst>
         </p:spPr>
@@ -18867,7 +18949,7 @@
           </a:ln>
           <a:extLst>
             <a:ext uri="{C572A759-6A51-4108-AA02-DFA0A04FC94B}">
-              <ma14:wrappingTextBoxFlag xmlns:ma14="http://schemas.microsoft.com/office/mac/drawingml/2011/main" xmlns:a14="http://schemas.microsoft.com/office/drawing/2010/main" xmlns:m="http://schemas.openxmlformats.org/officeDocument/2006/math" xmlns="" val="1"/>
+              <ma14:wrappingTextBoxFlag xmlns="" xmlns:m="http://schemas.openxmlformats.org/officeDocument/2006/math" xmlns:a14="http://schemas.microsoft.com/office/drawing/2010/main" xmlns:ma14="http://schemas.microsoft.com/office/mac/drawingml/2011/main" val="1"/>
             </a:ext>
           </a:extLst>
         </p:spPr>
@@ -19156,7 +19238,7 @@
           </a:ln>
           <a:extLst>
             <a:ext uri="{C572A759-6A51-4108-AA02-DFA0A04FC94B}">
-              <ma14:wrappingTextBoxFlag xmlns:ma14="http://schemas.microsoft.com/office/mac/drawingml/2011/main" xmlns:a14="http://schemas.microsoft.com/office/drawing/2010/main" xmlns:m="http://schemas.openxmlformats.org/officeDocument/2006/math" xmlns="" val="1"/>
+              <ma14:wrappingTextBoxFlag xmlns="" xmlns:m="http://schemas.openxmlformats.org/officeDocument/2006/math" xmlns:a14="http://schemas.microsoft.com/office/drawing/2010/main" xmlns:ma14="http://schemas.microsoft.com/office/mac/drawingml/2011/main" val="1"/>
             </a:ext>
           </a:extLst>
         </p:spPr>
@@ -19201,7 +19283,7 @@
           </a:ln>
           <a:extLst>
             <a:ext uri="{C572A759-6A51-4108-AA02-DFA0A04FC94B}">
-              <ma14:wrappingTextBoxFlag xmlns:ma14="http://schemas.microsoft.com/office/mac/drawingml/2011/main" xmlns:a14="http://schemas.microsoft.com/office/drawing/2010/main" xmlns:m="http://schemas.openxmlformats.org/officeDocument/2006/math" xmlns="" val="1"/>
+              <ma14:wrappingTextBoxFlag xmlns="" xmlns:m="http://schemas.openxmlformats.org/officeDocument/2006/math" xmlns:a14="http://schemas.microsoft.com/office/drawing/2010/main" xmlns:ma14="http://schemas.microsoft.com/office/mac/drawingml/2011/main" val="1"/>
             </a:ext>
           </a:extLst>
         </p:spPr>
@@ -19343,7 +19425,7 @@
           </a:ln>
           <a:extLst>
             <a:ext uri="{C572A759-6A51-4108-AA02-DFA0A04FC94B}">
-              <ma14:wrappingTextBoxFlag xmlns:ma14="http://schemas.microsoft.com/office/mac/drawingml/2011/main" xmlns:a14="http://schemas.microsoft.com/office/drawing/2010/main" xmlns:m="http://schemas.openxmlformats.org/officeDocument/2006/math" xmlns="" val="1"/>
+              <ma14:wrappingTextBoxFlag xmlns="" xmlns:m="http://schemas.openxmlformats.org/officeDocument/2006/math" xmlns:a14="http://schemas.microsoft.com/office/drawing/2010/main" xmlns:ma14="http://schemas.microsoft.com/office/mac/drawingml/2011/main" val="1"/>
             </a:ext>
           </a:extLst>
         </p:spPr>
@@ -19616,7 +19698,7 @@
           </a:ln>
           <a:extLst>
             <a:ext uri="{C572A759-6A51-4108-AA02-DFA0A04FC94B}">
-              <ma14:wrappingTextBoxFlag xmlns:ma14="http://schemas.microsoft.com/office/mac/drawingml/2011/main" xmlns:a14="http://schemas.microsoft.com/office/drawing/2010/main" xmlns:m="http://schemas.openxmlformats.org/officeDocument/2006/math" xmlns="" val="1"/>
+              <ma14:wrappingTextBoxFlag xmlns="" xmlns:m="http://schemas.openxmlformats.org/officeDocument/2006/math" xmlns:a14="http://schemas.microsoft.com/office/drawing/2010/main" xmlns:ma14="http://schemas.microsoft.com/office/mac/drawingml/2011/main" val="1"/>
             </a:ext>
           </a:extLst>
         </p:spPr>
@@ -19661,7 +19743,7 @@
           </a:ln>
           <a:extLst>
             <a:ext uri="{C572A759-6A51-4108-AA02-DFA0A04FC94B}">
-              <ma14:wrappingTextBoxFlag xmlns:ma14="http://schemas.microsoft.com/office/mac/drawingml/2011/main" xmlns:a14="http://schemas.microsoft.com/office/drawing/2010/main" xmlns:m="http://schemas.openxmlformats.org/officeDocument/2006/math" xmlns="" val="1"/>
+              <ma14:wrappingTextBoxFlag xmlns="" xmlns:m="http://schemas.openxmlformats.org/officeDocument/2006/math" xmlns:a14="http://schemas.microsoft.com/office/drawing/2010/main" xmlns:ma14="http://schemas.microsoft.com/office/mac/drawingml/2011/main" val="1"/>
             </a:ext>
           </a:extLst>
         </p:spPr>
@@ -20087,7 +20169,7 @@
           </a:ln>
           <a:extLst>
             <a:ext uri="{C572A759-6A51-4108-AA02-DFA0A04FC94B}">
-              <ma14:wrappingTextBoxFlag xmlns:ma14="http://schemas.microsoft.com/office/mac/drawingml/2011/main" xmlns:a14="http://schemas.microsoft.com/office/drawing/2010/main" xmlns:m="http://schemas.openxmlformats.org/officeDocument/2006/math" xmlns="" val="1"/>
+              <ma14:wrappingTextBoxFlag xmlns="" xmlns:m="http://schemas.openxmlformats.org/officeDocument/2006/math" xmlns:a14="http://schemas.microsoft.com/office/drawing/2010/main" xmlns:ma14="http://schemas.microsoft.com/office/mac/drawingml/2011/main" val="1"/>
             </a:ext>
           </a:extLst>
         </p:spPr>

--- a/root/docs/slides/Ригин_ВКР_Защита.pptx
+++ b/root/docs/slides/Ригин_ВКР_Защита.pptx
@@ -2243,7 +2243,7 @@
           </a:ln>
           <a:extLst>
             <a:ext uri="{C572A759-6A51-4108-AA02-DFA0A04FC94B}">
-              <ma14:wrappingTextBoxFlag xmlns="" xmlns:m="http://schemas.openxmlformats.org/officeDocument/2006/math" xmlns:a14="http://schemas.microsoft.com/office/drawing/2010/main" xmlns:ma14="http://schemas.microsoft.com/office/mac/drawingml/2011/main" val="1"/>
+              <ma14:wrappingTextBoxFlag xmlns:ma14="http://schemas.microsoft.com/office/mac/drawingml/2011/main" xmlns:a14="http://schemas.microsoft.com/office/drawing/2010/main" xmlns:m="http://schemas.openxmlformats.org/officeDocument/2006/math" xmlns="" val="1"/>
             </a:ext>
           </a:extLst>
         </p:spPr>
@@ -2282,7 +2282,7 @@
           </a:ln>
           <a:extLst>
             <a:ext uri="{C572A759-6A51-4108-AA02-DFA0A04FC94B}">
-              <ma14:wrappingTextBoxFlag xmlns="" xmlns:m="http://schemas.openxmlformats.org/officeDocument/2006/math" xmlns:a14="http://schemas.microsoft.com/office/drawing/2010/main" xmlns:ma14="http://schemas.microsoft.com/office/mac/drawingml/2011/main" val="1"/>
+              <ma14:wrappingTextBoxFlag xmlns:ma14="http://schemas.microsoft.com/office/mac/drawingml/2011/main" xmlns:a14="http://schemas.microsoft.com/office/drawing/2010/main" xmlns:m="http://schemas.openxmlformats.org/officeDocument/2006/math" xmlns="" val="1"/>
             </a:ext>
           </a:extLst>
         </p:spPr>
@@ -3242,7 +3242,7 @@
           </a:ln>
           <a:extLst>
             <a:ext uri="{C572A759-6A51-4108-AA02-DFA0A04FC94B}">
-              <ma14:wrappingTextBoxFlag xmlns="" xmlns:m="http://schemas.openxmlformats.org/officeDocument/2006/math" xmlns:a14="http://schemas.microsoft.com/office/drawing/2010/main" xmlns:ma14="http://schemas.microsoft.com/office/mac/drawingml/2011/main" val="1"/>
+              <ma14:wrappingTextBoxFlag xmlns:ma14="http://schemas.microsoft.com/office/mac/drawingml/2011/main" xmlns:a14="http://schemas.microsoft.com/office/drawing/2010/main" xmlns:m="http://schemas.openxmlformats.org/officeDocument/2006/math" xmlns="" val="1"/>
             </a:ext>
           </a:extLst>
         </p:spPr>
@@ -3323,7 +3323,7 @@
           </a:ln>
           <a:extLst>
             <a:ext uri="{C572A759-6A51-4108-AA02-DFA0A04FC94B}">
-              <ma14:wrappingTextBoxFlag xmlns="" xmlns:m="http://schemas.openxmlformats.org/officeDocument/2006/math" xmlns:a14="http://schemas.microsoft.com/office/drawing/2010/main" xmlns:ma14="http://schemas.microsoft.com/office/mac/drawingml/2011/main" val="1"/>
+              <ma14:wrappingTextBoxFlag xmlns:ma14="http://schemas.microsoft.com/office/mac/drawingml/2011/main" xmlns:a14="http://schemas.microsoft.com/office/drawing/2010/main" xmlns:m="http://schemas.openxmlformats.org/officeDocument/2006/math" xmlns="" val="1"/>
             </a:ext>
           </a:extLst>
         </p:spPr>
@@ -3410,7 +3410,7 @@
           </a:ln>
           <a:extLst>
             <a:ext uri="{C572A759-6A51-4108-AA02-DFA0A04FC94B}">
-              <ma14:wrappingTextBoxFlag xmlns="" xmlns:m="http://schemas.openxmlformats.org/officeDocument/2006/math" xmlns:a14="http://schemas.microsoft.com/office/drawing/2010/main" xmlns:ma14="http://schemas.microsoft.com/office/mac/drawingml/2011/main" val="1"/>
+              <ma14:wrappingTextBoxFlag xmlns:ma14="http://schemas.microsoft.com/office/mac/drawingml/2011/main" xmlns:a14="http://schemas.microsoft.com/office/drawing/2010/main" xmlns:m="http://schemas.openxmlformats.org/officeDocument/2006/math" xmlns="" val="1"/>
             </a:ext>
           </a:extLst>
         </p:spPr>
@@ -3475,7 +3475,7 @@
           </a:ln>
           <a:extLst>
             <a:ext uri="{C572A759-6A51-4108-AA02-DFA0A04FC94B}">
-              <ma14:wrappingTextBoxFlag xmlns="" xmlns:m="http://schemas.openxmlformats.org/officeDocument/2006/math" xmlns:a14="http://schemas.microsoft.com/office/drawing/2010/main" xmlns:ma14="http://schemas.microsoft.com/office/mac/drawingml/2011/main" val="1"/>
+              <ma14:wrappingTextBoxFlag xmlns:ma14="http://schemas.microsoft.com/office/mac/drawingml/2011/main" xmlns:a14="http://schemas.microsoft.com/office/drawing/2010/main" xmlns:m="http://schemas.openxmlformats.org/officeDocument/2006/math" xmlns="" val="1"/>
             </a:ext>
           </a:extLst>
         </p:spPr>
@@ -3619,7 +3619,7 @@
           </a:ln>
           <a:extLst>
             <a:ext uri="{C572A759-6A51-4108-AA02-DFA0A04FC94B}">
-              <ma14:wrappingTextBoxFlag xmlns="" xmlns:m="http://schemas.openxmlformats.org/officeDocument/2006/math" xmlns:a14="http://schemas.microsoft.com/office/drawing/2010/main" xmlns:ma14="http://schemas.microsoft.com/office/mac/drawingml/2011/main" val="1"/>
+              <ma14:wrappingTextBoxFlag xmlns:ma14="http://schemas.microsoft.com/office/mac/drawingml/2011/main" xmlns:a14="http://schemas.microsoft.com/office/drawing/2010/main" xmlns:m="http://schemas.openxmlformats.org/officeDocument/2006/math" xmlns="" val="1"/>
             </a:ext>
           </a:extLst>
         </p:spPr>
@@ -3664,7 +3664,7 @@
           </a:ln>
           <a:extLst>
             <a:ext uri="{C572A759-6A51-4108-AA02-DFA0A04FC94B}">
-              <ma14:wrappingTextBoxFlag xmlns="" xmlns:m="http://schemas.openxmlformats.org/officeDocument/2006/math" xmlns:a14="http://schemas.microsoft.com/office/drawing/2010/main" xmlns:ma14="http://schemas.microsoft.com/office/mac/drawingml/2011/main" val="1"/>
+              <ma14:wrappingTextBoxFlag xmlns:ma14="http://schemas.microsoft.com/office/mac/drawingml/2011/main" xmlns:a14="http://schemas.microsoft.com/office/drawing/2010/main" xmlns:m="http://schemas.openxmlformats.org/officeDocument/2006/math" xmlns="" val="1"/>
             </a:ext>
           </a:extLst>
         </p:spPr>
@@ -4059,7 +4059,7 @@
           </a:ln>
           <a:extLst>
             <a:ext uri="{C572A759-6A51-4108-AA02-DFA0A04FC94B}">
-              <ma14:wrappingTextBoxFlag xmlns="" xmlns:m="http://schemas.openxmlformats.org/officeDocument/2006/math" xmlns:a14="http://schemas.microsoft.com/office/drawing/2010/main" xmlns:ma14="http://schemas.microsoft.com/office/mac/drawingml/2011/main" val="1"/>
+              <ma14:wrappingTextBoxFlag xmlns:ma14="http://schemas.microsoft.com/office/mac/drawingml/2011/main" xmlns:a14="http://schemas.microsoft.com/office/drawing/2010/main" xmlns:m="http://schemas.openxmlformats.org/officeDocument/2006/math" xmlns="" val="1"/>
             </a:ext>
           </a:extLst>
         </p:spPr>
@@ -4229,7 +4229,7 @@
           </a:ln>
           <a:extLst>
             <a:ext uri="{C572A759-6A51-4108-AA02-DFA0A04FC94B}">
-              <ma14:wrappingTextBoxFlag xmlns="" xmlns:m="http://schemas.openxmlformats.org/officeDocument/2006/math" xmlns:a14="http://schemas.microsoft.com/office/drawing/2010/main" xmlns:ma14="http://schemas.microsoft.com/office/mac/drawingml/2011/main" val="1"/>
+              <ma14:wrappingTextBoxFlag xmlns:ma14="http://schemas.microsoft.com/office/mac/drawingml/2011/main" xmlns:a14="http://schemas.microsoft.com/office/drawing/2010/main" xmlns:m="http://schemas.openxmlformats.org/officeDocument/2006/math" xmlns="" val="1"/>
             </a:ext>
           </a:extLst>
         </p:spPr>
@@ -4274,7 +4274,7 @@
           </a:ln>
           <a:extLst>
             <a:ext uri="{C572A759-6A51-4108-AA02-DFA0A04FC94B}">
-              <ma14:wrappingTextBoxFlag xmlns="" xmlns:m="http://schemas.openxmlformats.org/officeDocument/2006/math" xmlns:a14="http://schemas.microsoft.com/office/drawing/2010/main" xmlns:ma14="http://schemas.microsoft.com/office/mac/drawingml/2011/main" val="1"/>
+              <ma14:wrappingTextBoxFlag xmlns:ma14="http://schemas.microsoft.com/office/mac/drawingml/2011/main" xmlns:a14="http://schemas.microsoft.com/office/drawing/2010/main" xmlns:m="http://schemas.openxmlformats.org/officeDocument/2006/math" xmlns="" val="1"/>
             </a:ext>
           </a:extLst>
         </p:spPr>
@@ -4348,7 +4348,7 @@
             </a:pPr>
             <a:r>
               <a:rPr lang="ru-RU" sz="4400" dirty="0"/>
-              <a:t>Запускается при каждой операции с таблицей, созданной с использованием разработанного в рамках настоящей работы расширения – поиске строки в таблице, вставке строки в таблицу, обновлении строки в таблице, удалении строки из таблицы</a:t>
+              <a:t>Выполняется при каждой операции с таблицей, созданной с использованием разработанного в рамках настоящей работы расширения – поиске строки в таблице, вставке строки в таблицу, обновлении строки в таблице, удалении строки из таблицы</a:t>
             </a:r>
           </a:p>
           <a:p>
@@ -4367,15 +4367,7 @@
             </a:pPr>
             <a:r>
               <a:rPr lang="ru-RU" sz="4400" dirty="0"/>
-              <a:t>Производит </a:t>
-            </a:r>
-            <a:r>
-              <a:rPr lang="ru-RU" sz="4400" dirty="0" err="1"/>
-              <a:t>перестраивание</a:t>
-            </a:r>
-            <a:r>
-              <a:rPr lang="ru-RU" sz="4400" dirty="0"/>
-              <a:t> индексирующей структуры данных только на каждой 1000-й операции и только для первых 10000 операций</a:t>
+              <a:t>Производит перестроение индексирующей структуры данных только на каждой 1000-й операции и только для первых 10000 операций</a:t>
             </a:r>
           </a:p>
           <a:p>
@@ -4468,7 +4460,7 @@
           </a:ln>
           <a:extLst>
             <a:ext uri="{C572A759-6A51-4108-AA02-DFA0A04FC94B}">
-              <ma14:wrappingTextBoxFlag xmlns="" xmlns:m="http://schemas.openxmlformats.org/officeDocument/2006/math" xmlns:a14="http://schemas.microsoft.com/office/drawing/2010/main" xmlns:ma14="http://schemas.microsoft.com/office/mac/drawingml/2011/main" val="1"/>
+              <ma14:wrappingTextBoxFlag xmlns:ma14="http://schemas.microsoft.com/office/mac/drawingml/2011/main" xmlns:a14="http://schemas.microsoft.com/office/drawing/2010/main" xmlns:m="http://schemas.openxmlformats.org/officeDocument/2006/math" xmlns="" val="1"/>
             </a:ext>
           </a:extLst>
         </p:spPr>
@@ -4638,7 +4630,7 @@
           </a:ln>
           <a:extLst>
             <a:ext uri="{C572A759-6A51-4108-AA02-DFA0A04FC94B}">
-              <ma14:wrappingTextBoxFlag xmlns="" xmlns:m="http://schemas.openxmlformats.org/officeDocument/2006/math" xmlns:a14="http://schemas.microsoft.com/office/drawing/2010/main" xmlns:ma14="http://schemas.microsoft.com/office/mac/drawingml/2011/main" val="1"/>
+              <ma14:wrappingTextBoxFlag xmlns:ma14="http://schemas.microsoft.com/office/mac/drawingml/2011/main" xmlns:a14="http://schemas.microsoft.com/office/drawing/2010/main" xmlns:m="http://schemas.openxmlformats.org/officeDocument/2006/math" xmlns="" val="1"/>
             </a:ext>
           </a:extLst>
         </p:spPr>
@@ -4688,7 +4680,7 @@
           </a:ln>
           <a:extLst>
             <a:ext uri="{C572A759-6A51-4108-AA02-DFA0A04FC94B}">
-              <ma14:wrappingTextBoxFlag xmlns="" xmlns:m="http://schemas.openxmlformats.org/officeDocument/2006/math" xmlns:a14="http://schemas.microsoft.com/office/drawing/2010/main" xmlns:ma14="http://schemas.microsoft.com/office/mac/drawingml/2011/main" val="1"/>
+              <ma14:wrappingTextBoxFlag xmlns:ma14="http://schemas.microsoft.com/office/mac/drawingml/2011/main" xmlns:a14="http://schemas.microsoft.com/office/drawing/2010/main" xmlns:m="http://schemas.openxmlformats.org/officeDocument/2006/math" xmlns="" val="1"/>
             </a:ext>
           </a:extLst>
         </p:spPr>
@@ -4747,8 +4739,8 @@
           </a:ln>
         </p:spPr>
       </p:pic>
-      <mc:AlternateContent xmlns:mc="http://schemas.openxmlformats.org/markup-compatibility/2006">
-        <mc:Choice xmlns:a14="http://schemas.microsoft.com/office/drawing/2010/main" Requires="a14">
+      <mc:AlternateContent xmlns:mc="http://schemas.openxmlformats.org/markup-compatibility/2006" xmlns:a14="http://schemas.microsoft.com/office/drawing/2010/main">
+        <mc:Choice Requires="a14">
           <p:sp>
             <p:nvSpPr>
               <p:cNvPr id="7" name="Text Text Text Text Text Text Text Text Text Text Text Text Text Text Text Text Text Text Text Text Text Text Text Text Text Text Text Text Text Text Text Text Text Text Text Text Text Text Text Text Text Text Text Text Text Text Text Text Text Text Text Text Text Text Text Text Text Text Text Text Text Text Text Text Text Text Text Text Text Text Text Text Text Text Text Text Text Text Text Text Text Text Text Text Text Text Text Text Text Text Text Text Text Text Text Text Text Text Text Text Text Text Text Text Text Text Text Text…">
@@ -4774,7 +4766,7 @@
               </a:ln>
               <a:extLst>
                 <a:ext uri="{C572A759-6A51-4108-AA02-DFA0A04FC94B}">
-                  <ma14:wrappingTextBoxFlag xmlns="" xmlns:m="http://schemas.openxmlformats.org/officeDocument/2006/math" xmlns:ma14="http://schemas.microsoft.com/office/mac/drawingml/2011/main" val="1"/>
+                  <ma14:wrappingTextBoxFlag xmlns:ma14="http://schemas.microsoft.com/office/mac/drawingml/2011/main" xmlns:m="http://schemas.openxmlformats.org/officeDocument/2006/math" xmlns="" val="1"/>
                 </a:ext>
               </a:extLst>
             </p:spPr>
@@ -4909,13 +4901,7 @@
                       <a:rPr lang="en-US" sz="3600" i="1" dirty="0" smtClean="0">
                         <a:latin typeface="Cambria Math" panose="02040503050406030204" pitchFamily="18" charset="0"/>
                       </a:rPr>
-                      <m:t> = 73,9</m:t>
-                    </m:r>
-                    <m:r>
-                      <a:rPr lang="ru-RU" sz="3600" i="1" dirty="0" smtClean="0">
-                        <a:latin typeface="Cambria Math" panose="02040503050406030204" pitchFamily="18" charset="0"/>
-                      </a:rPr>
-                      <m:t>7 %</m:t>
+                      <m:t> = 73,97 %</m:t>
                     </m:r>
                   </m:oMath>
                 </a14:m>
@@ -4985,7 +4971,7 @@
             </p:txBody>
           </p:sp>
         </mc:Choice>
-        <mc:Fallback>
+        <mc:Fallback xmlns="">
           <p:sp>
             <p:nvSpPr>
               <p:cNvPr id="7" name="Text Text Text Text Text Text Text Text Text Text Text Text Text Text Text Text Text Text Text Text Text Text Text Text Text Text Text Text Text Text Text Text Text Text Text Text Text Text Text Text Text Text Text Text Text Text Text Text Text Text Text Text Text Text Text Text Text Text Text Text Text Text Text Text Text Text Text Text Text Text Text Text Text Text Text Text Text Text Text Text Text Text Text Text Text Text Text Text Text Text Text Text Text Text Text Text Text Text Text Text Text Text Text Text Text Text Text Text…">
@@ -5149,7 +5135,7 @@
           </a:ln>
           <a:extLst>
             <a:ext uri="{C572A759-6A51-4108-AA02-DFA0A04FC94B}">
-              <ma14:wrappingTextBoxFlag xmlns="" xmlns:m="http://schemas.openxmlformats.org/officeDocument/2006/math" xmlns:a14="http://schemas.microsoft.com/office/drawing/2010/main" xmlns:ma14="http://schemas.microsoft.com/office/mac/drawingml/2011/main" val="1"/>
+              <ma14:wrappingTextBoxFlag xmlns:ma14="http://schemas.microsoft.com/office/mac/drawingml/2011/main" xmlns:a14="http://schemas.microsoft.com/office/drawing/2010/main" xmlns:m="http://schemas.openxmlformats.org/officeDocument/2006/math" xmlns="" val="1"/>
             </a:ext>
           </a:extLst>
         </p:spPr>
@@ -5199,7 +5185,7 @@
           </a:ln>
           <a:extLst>
             <a:ext uri="{C572A759-6A51-4108-AA02-DFA0A04FC94B}">
-              <ma14:wrappingTextBoxFlag xmlns="" xmlns:m="http://schemas.openxmlformats.org/officeDocument/2006/math" xmlns:a14="http://schemas.microsoft.com/office/drawing/2010/main" xmlns:ma14="http://schemas.microsoft.com/office/mac/drawingml/2011/main" val="1"/>
+              <ma14:wrappingTextBoxFlag xmlns:ma14="http://schemas.microsoft.com/office/mac/drawingml/2011/main" xmlns:a14="http://schemas.microsoft.com/office/drawing/2010/main" xmlns:m="http://schemas.openxmlformats.org/officeDocument/2006/math" xmlns="" val="1"/>
             </a:ext>
           </a:extLst>
         </p:spPr>
@@ -5405,7 +5391,7 @@
           </a:ln>
           <a:extLst>
             <a:ext uri="{C572A759-6A51-4108-AA02-DFA0A04FC94B}">
-              <ma14:wrappingTextBoxFlag xmlns="" xmlns:m="http://schemas.openxmlformats.org/officeDocument/2006/math" xmlns:a14="http://schemas.microsoft.com/office/drawing/2010/main" xmlns:ma14="http://schemas.microsoft.com/office/mac/drawingml/2011/main" val="1"/>
+              <ma14:wrappingTextBoxFlag xmlns:ma14="http://schemas.microsoft.com/office/mac/drawingml/2011/main" xmlns:a14="http://schemas.microsoft.com/office/drawing/2010/main" xmlns:m="http://schemas.openxmlformats.org/officeDocument/2006/math" xmlns="" val="1"/>
             </a:ext>
           </a:extLst>
         </p:spPr>
@@ -5450,7 +5436,7 @@
           </a:ln>
           <a:extLst>
             <a:ext uri="{C572A759-6A51-4108-AA02-DFA0A04FC94B}">
-              <ma14:wrappingTextBoxFlag xmlns="" xmlns:m="http://schemas.openxmlformats.org/officeDocument/2006/math" xmlns:a14="http://schemas.microsoft.com/office/drawing/2010/main" xmlns:ma14="http://schemas.microsoft.com/office/mac/drawingml/2011/main" val="1"/>
+              <ma14:wrappingTextBoxFlag xmlns:ma14="http://schemas.microsoft.com/office/mac/drawingml/2011/main" xmlns:a14="http://schemas.microsoft.com/office/drawing/2010/main" xmlns:m="http://schemas.openxmlformats.org/officeDocument/2006/math" xmlns="" val="1"/>
             </a:ext>
           </a:extLst>
         </p:spPr>
@@ -8096,7 +8082,7 @@
           </a:ln>
           <a:extLst>
             <a:ext uri="{C572A759-6A51-4108-AA02-DFA0A04FC94B}">
-              <ma14:wrappingTextBoxFlag xmlns="" xmlns:m="http://schemas.openxmlformats.org/officeDocument/2006/math" xmlns:a14="http://schemas.microsoft.com/office/drawing/2010/main" xmlns:ma14="http://schemas.microsoft.com/office/mac/drawingml/2011/main" val="1"/>
+              <ma14:wrappingTextBoxFlag xmlns:ma14="http://schemas.microsoft.com/office/mac/drawingml/2011/main" xmlns:a14="http://schemas.microsoft.com/office/drawing/2010/main" xmlns:m="http://schemas.openxmlformats.org/officeDocument/2006/math" xmlns="" val="1"/>
             </a:ext>
           </a:extLst>
         </p:spPr>
@@ -8141,7 +8127,7 @@
           </a:ln>
           <a:extLst>
             <a:ext uri="{C572A759-6A51-4108-AA02-DFA0A04FC94B}">
-              <ma14:wrappingTextBoxFlag xmlns="" xmlns:m="http://schemas.openxmlformats.org/officeDocument/2006/math" xmlns:a14="http://schemas.microsoft.com/office/drawing/2010/main" xmlns:ma14="http://schemas.microsoft.com/office/mac/drawingml/2011/main" val="1"/>
+              <ma14:wrappingTextBoxFlag xmlns:ma14="http://schemas.microsoft.com/office/mac/drawingml/2011/main" xmlns:a14="http://schemas.microsoft.com/office/drawing/2010/main" xmlns:m="http://schemas.openxmlformats.org/officeDocument/2006/math" xmlns="" val="1"/>
             </a:ext>
           </a:extLst>
         </p:spPr>
@@ -8347,7 +8333,7 @@
           </a:ln>
           <a:extLst>
             <a:ext uri="{C572A759-6A51-4108-AA02-DFA0A04FC94B}">
-              <ma14:wrappingTextBoxFlag xmlns="" xmlns:m="http://schemas.openxmlformats.org/officeDocument/2006/math" xmlns:a14="http://schemas.microsoft.com/office/drawing/2010/main" xmlns:ma14="http://schemas.microsoft.com/office/mac/drawingml/2011/main" val="1"/>
+              <ma14:wrappingTextBoxFlag xmlns:ma14="http://schemas.microsoft.com/office/mac/drawingml/2011/main" xmlns:a14="http://schemas.microsoft.com/office/drawing/2010/main" xmlns:m="http://schemas.openxmlformats.org/officeDocument/2006/math" xmlns="" val="1"/>
             </a:ext>
           </a:extLst>
         </p:spPr>
@@ -8392,7 +8378,7 @@
           </a:ln>
           <a:extLst>
             <a:ext uri="{C572A759-6A51-4108-AA02-DFA0A04FC94B}">
-              <ma14:wrappingTextBoxFlag xmlns="" xmlns:m="http://schemas.openxmlformats.org/officeDocument/2006/math" xmlns:a14="http://schemas.microsoft.com/office/drawing/2010/main" xmlns:ma14="http://schemas.microsoft.com/office/mac/drawingml/2011/main" val="1"/>
+              <ma14:wrappingTextBoxFlag xmlns:ma14="http://schemas.microsoft.com/office/mac/drawingml/2011/main" xmlns:a14="http://schemas.microsoft.com/office/drawing/2010/main" xmlns:m="http://schemas.openxmlformats.org/officeDocument/2006/math" xmlns="" val="1"/>
             </a:ext>
           </a:extLst>
         </p:spPr>
@@ -8849,7 +8835,7 @@
           </a:ln>
           <a:extLst>
             <a:ext uri="{C572A759-6A51-4108-AA02-DFA0A04FC94B}">
-              <ma14:wrappingTextBoxFlag xmlns="" xmlns:m="http://schemas.openxmlformats.org/officeDocument/2006/math" xmlns:a14="http://schemas.microsoft.com/office/drawing/2010/main" xmlns:ma14="http://schemas.microsoft.com/office/mac/drawingml/2011/main" val="1"/>
+              <ma14:wrappingTextBoxFlag xmlns:ma14="http://schemas.microsoft.com/office/mac/drawingml/2011/main" xmlns:a14="http://schemas.microsoft.com/office/drawing/2010/main" xmlns:m="http://schemas.openxmlformats.org/officeDocument/2006/math" xmlns="" val="1"/>
             </a:ext>
           </a:extLst>
         </p:spPr>
@@ -8894,7 +8880,7 @@
           </a:ln>
           <a:extLst>
             <a:ext uri="{C572A759-6A51-4108-AA02-DFA0A04FC94B}">
-              <ma14:wrappingTextBoxFlag xmlns="" xmlns:m="http://schemas.openxmlformats.org/officeDocument/2006/math" xmlns:a14="http://schemas.microsoft.com/office/drawing/2010/main" xmlns:ma14="http://schemas.microsoft.com/office/mac/drawingml/2011/main" val="1"/>
+              <ma14:wrappingTextBoxFlag xmlns:ma14="http://schemas.microsoft.com/office/mac/drawingml/2011/main" xmlns:a14="http://schemas.microsoft.com/office/drawing/2010/main" xmlns:m="http://schemas.openxmlformats.org/officeDocument/2006/math" xmlns="" val="1"/>
             </a:ext>
           </a:extLst>
         </p:spPr>
@@ -9043,7 +9029,7 @@
           </a:ln>
           <a:extLst>
             <a:ext uri="{C572A759-6A51-4108-AA02-DFA0A04FC94B}">
-              <ma14:wrappingTextBoxFlag xmlns="" xmlns:m="http://schemas.openxmlformats.org/officeDocument/2006/math" xmlns:a14="http://schemas.microsoft.com/office/drawing/2010/main" xmlns:ma14="http://schemas.microsoft.com/office/mac/drawingml/2011/main" val="1"/>
+              <ma14:wrappingTextBoxFlag xmlns:ma14="http://schemas.microsoft.com/office/mac/drawingml/2011/main" xmlns:a14="http://schemas.microsoft.com/office/drawing/2010/main" xmlns:m="http://schemas.openxmlformats.org/officeDocument/2006/math" xmlns="" val="1"/>
             </a:ext>
           </a:extLst>
         </p:spPr>
@@ -9213,7 +9199,7 @@
           </a:ln>
           <a:extLst>
             <a:ext uri="{C572A759-6A51-4108-AA02-DFA0A04FC94B}">
-              <ma14:wrappingTextBoxFlag xmlns="" xmlns:m="http://schemas.openxmlformats.org/officeDocument/2006/math" xmlns:a14="http://schemas.microsoft.com/office/drawing/2010/main" xmlns:ma14="http://schemas.microsoft.com/office/mac/drawingml/2011/main" val="1"/>
+              <ma14:wrappingTextBoxFlag xmlns:ma14="http://schemas.microsoft.com/office/mac/drawingml/2011/main" xmlns:a14="http://schemas.microsoft.com/office/drawing/2010/main" xmlns:m="http://schemas.openxmlformats.org/officeDocument/2006/math" xmlns="" val="1"/>
             </a:ext>
           </a:extLst>
         </p:spPr>
@@ -9258,7 +9244,7 @@
           </a:ln>
           <a:extLst>
             <a:ext uri="{C572A759-6A51-4108-AA02-DFA0A04FC94B}">
-              <ma14:wrappingTextBoxFlag xmlns="" xmlns:m="http://schemas.openxmlformats.org/officeDocument/2006/math" xmlns:a14="http://schemas.microsoft.com/office/drawing/2010/main" xmlns:ma14="http://schemas.microsoft.com/office/mac/drawingml/2011/main" val="1"/>
+              <ma14:wrappingTextBoxFlag xmlns:ma14="http://schemas.microsoft.com/office/mac/drawingml/2011/main" xmlns:a14="http://schemas.microsoft.com/office/drawing/2010/main" xmlns:m="http://schemas.openxmlformats.org/officeDocument/2006/math" xmlns="" val="1"/>
             </a:ext>
           </a:extLst>
         </p:spPr>
@@ -9772,7 +9758,7 @@
           </a:ln>
           <a:extLst>
             <a:ext uri="{C572A759-6A51-4108-AA02-DFA0A04FC94B}">
-              <ma14:wrappingTextBoxFlag xmlns="" xmlns:m="http://schemas.openxmlformats.org/officeDocument/2006/math" xmlns:a14="http://schemas.microsoft.com/office/drawing/2010/main" xmlns:ma14="http://schemas.microsoft.com/office/mac/drawingml/2011/main" val="1"/>
+              <ma14:wrappingTextBoxFlag xmlns:ma14="http://schemas.microsoft.com/office/mac/drawingml/2011/main" xmlns:a14="http://schemas.microsoft.com/office/drawing/2010/main" xmlns:m="http://schemas.openxmlformats.org/officeDocument/2006/math" xmlns="" val="1"/>
             </a:ext>
           </a:extLst>
         </p:spPr>
@@ -9817,7 +9803,7 @@
           </a:ln>
           <a:extLst>
             <a:ext uri="{C572A759-6A51-4108-AA02-DFA0A04FC94B}">
-              <ma14:wrappingTextBoxFlag xmlns="" xmlns:m="http://schemas.openxmlformats.org/officeDocument/2006/math" xmlns:a14="http://schemas.microsoft.com/office/drawing/2010/main" xmlns:ma14="http://schemas.microsoft.com/office/mac/drawingml/2011/main" val="1"/>
+              <ma14:wrappingTextBoxFlag xmlns:ma14="http://schemas.microsoft.com/office/mac/drawingml/2011/main" xmlns:a14="http://schemas.microsoft.com/office/drawing/2010/main" xmlns:m="http://schemas.openxmlformats.org/officeDocument/2006/math" xmlns="" val="1"/>
             </a:ext>
           </a:extLst>
         </p:spPr>
@@ -10400,7 +10386,7 @@
           </a:ln>
           <a:extLst>
             <a:ext uri="{C572A759-6A51-4108-AA02-DFA0A04FC94B}">
-              <ma14:wrappingTextBoxFlag xmlns="" xmlns:m="http://schemas.openxmlformats.org/officeDocument/2006/math" xmlns:a14="http://schemas.microsoft.com/office/drawing/2010/main" xmlns:ma14="http://schemas.microsoft.com/office/mac/drawingml/2011/main" val="1"/>
+              <ma14:wrappingTextBoxFlag xmlns:ma14="http://schemas.microsoft.com/office/mac/drawingml/2011/main" xmlns:a14="http://schemas.microsoft.com/office/drawing/2010/main" xmlns:m="http://schemas.openxmlformats.org/officeDocument/2006/math" xmlns="" val="1"/>
             </a:ext>
           </a:extLst>
         </p:spPr>
@@ -10445,7 +10431,7 @@
           </a:ln>
           <a:extLst>
             <a:ext uri="{C572A759-6A51-4108-AA02-DFA0A04FC94B}">
-              <ma14:wrappingTextBoxFlag xmlns="" xmlns:m="http://schemas.openxmlformats.org/officeDocument/2006/math" xmlns:a14="http://schemas.microsoft.com/office/drawing/2010/main" xmlns:ma14="http://schemas.microsoft.com/office/mac/drawingml/2011/main" val="1"/>
+              <ma14:wrappingTextBoxFlag xmlns:ma14="http://schemas.microsoft.com/office/mac/drawingml/2011/main" xmlns:a14="http://schemas.microsoft.com/office/drawing/2010/main" xmlns:m="http://schemas.openxmlformats.org/officeDocument/2006/math" xmlns="" val="1"/>
             </a:ext>
           </a:extLst>
         </p:spPr>
@@ -10468,31 +10454,7 @@
             </a:pPr>
             <a:r>
               <a:rPr lang="ru-RU" sz="4800" dirty="0"/>
-              <a:t>Сильно ветвящиеся деревья: B-деревья, B</a:t>
-            </a:r>
-            <a:r>
-              <a:rPr lang="ru-RU" sz="4800" baseline="30000" dirty="0"/>
-              <a:t>+</a:t>
-            </a:r>
-            <a:r>
-              <a:rPr lang="ru-RU" sz="4800" dirty="0"/>
-              <a:t>-деревья, B</a:t>
-            </a:r>
-            <a:r>
-              <a:rPr lang="ru-RU" sz="4800" baseline="30000" dirty="0"/>
-              <a:t>*</a:t>
-            </a:r>
-            <a:r>
-              <a:rPr lang="ru-RU" sz="4800" dirty="0"/>
-              <a:t>-деревья и B</a:t>
-            </a:r>
-            <a:r>
-              <a:rPr lang="ru-RU" sz="4800" baseline="30000" dirty="0"/>
-              <a:t>*+</a:t>
-            </a:r>
-            <a:r>
-              <a:rPr lang="ru-RU" sz="4800" dirty="0"/>
-              <a:t>-деревья</a:t>
+              <a:t>Алгоритмы и структуры данных</a:t>
             </a:r>
           </a:p>
           <a:p>
@@ -10511,7 +10473,7 @@
             </a:pPr>
             <a:r>
               <a:rPr lang="ru-RU" sz="4800" dirty="0"/>
-              <a:t>Эмпирическая оценка сложности основных операций и объёма занимаемой памяти</a:t>
+              <a:t>Системы управления базами данных (СУБД)</a:t>
             </a:r>
           </a:p>
           <a:p>
@@ -10530,7 +10492,7 @@
             </a:pPr>
             <a:r>
               <a:rPr lang="ru-RU" sz="4800" dirty="0"/>
-              <a:t>Индексы в СУБД</a:t>
+              <a:t>Хранение и индексирование данных в СУБД</a:t>
             </a:r>
           </a:p>
           <a:p>
@@ -10548,37 +10510,9 @@
               </a:defRPr>
             </a:pPr>
             <a:r>
-              <a:rPr lang="ru-RU" sz="4800" dirty="0" err="1"/>
-              <a:t>SQLite</a:t>
-            </a:r>
-            <a:r>
               <a:rPr lang="ru-RU" sz="4800" dirty="0"/>
-              <a:t> – встраиваемая реляционная СУБД</a:t>
-            </a:r>
-          </a:p>
-          <a:p>
-            <a:pPr marL="457200" indent="-457200" algn="l">
-              <a:buFont typeface="Arial" panose="020B0604020202020204" pitchFamily="34" charset="0"/>
-              <a:buChar char="•"/>
-              <a:defRPr sz="2800">
-                <a:solidFill>
-                  <a:srgbClr val="253957"/>
-                </a:solidFill>
-                <a:latin typeface="+mn-lt"/>
-                <a:ea typeface="+mn-ea"/>
-                <a:cs typeface="+mn-cs"/>
-                <a:sym typeface="Arial Narrow"/>
-              </a:defRPr>
-            </a:pPr>
-            <a:r>
-              <a:rPr lang="ru-RU" sz="4800" dirty="0"/>
-              <a:t>Использование сильно ветвящихся деревьев в качестве индекса в </a:t>
-            </a:r>
-            <a:r>
-              <a:rPr lang="ru-RU" sz="4800" dirty="0" err="1"/>
-              <a:t>SQLite</a:t>
-            </a:r>
-            <a:endParaRPr lang="ru-RU" sz="4800" dirty="0"/>
+              <a:t>Реляционные СУБД (РСУБД)</a:t>
+            </a:r>
           </a:p>
         </p:txBody>
       </p:sp>
@@ -10601,7 +10535,7 @@
           </a:ln>
           <a:extLst>
             <a:ext uri="{C572A759-6A51-4108-AA02-DFA0A04FC94B}">
-              <ma14:wrappingTextBoxFlag xmlns="" xmlns:m="http://schemas.openxmlformats.org/officeDocument/2006/math" xmlns:a14="http://schemas.microsoft.com/office/drawing/2010/main" xmlns:ma14="http://schemas.microsoft.com/office/mac/drawingml/2011/main" val="1"/>
+              <ma14:wrappingTextBoxFlag xmlns:ma14="http://schemas.microsoft.com/office/mac/drawingml/2011/main" xmlns:a14="http://schemas.microsoft.com/office/drawing/2010/main" xmlns:m="http://schemas.openxmlformats.org/officeDocument/2006/math" xmlns="" val="1"/>
             </a:ext>
           </a:extLst>
         </p:spPr>
@@ -10756,7 +10690,7 @@
         <p:spPr>
           <a:xfrm>
             <a:off x="1209448" y="2972786"/>
-            <a:ext cx="20343591" cy="2313227"/>
+            <a:ext cx="21506373" cy="2313227"/>
           </a:xfrm>
           <a:prstGeom prst="rect">
             <a:avLst/>
@@ -10766,7 +10700,7 @@
           </a:ln>
           <a:extLst>
             <a:ext uri="{C572A759-6A51-4108-AA02-DFA0A04FC94B}">
-              <ma14:wrappingTextBoxFlag xmlns="" xmlns:m="http://schemas.openxmlformats.org/officeDocument/2006/math" xmlns:a14="http://schemas.microsoft.com/office/drawing/2010/main" xmlns:ma14="http://schemas.microsoft.com/office/mac/drawingml/2011/main" val="1"/>
+              <ma14:wrappingTextBoxFlag xmlns:ma14="http://schemas.microsoft.com/office/mac/drawingml/2011/main" xmlns:a14="http://schemas.microsoft.com/office/drawing/2010/main" xmlns:m="http://schemas.openxmlformats.org/officeDocument/2006/math" xmlns="" val="1"/>
             </a:ext>
           </a:extLst>
         </p:spPr>
@@ -10787,7 +10721,7 @@
             </a:pPr>
             <a:r>
               <a:rPr lang="ru-RU" dirty="0"/>
-              <a:t>Схема программы</a:t>
+              <a:t>Схема взаимодействия компонентов программы</a:t>
             </a:r>
           </a:p>
         </p:txBody>
@@ -10811,7 +10745,7 @@
           </a:ln>
           <a:extLst>
             <a:ext uri="{C572A759-6A51-4108-AA02-DFA0A04FC94B}">
-              <ma14:wrappingTextBoxFlag xmlns="" xmlns:m="http://schemas.openxmlformats.org/officeDocument/2006/math" xmlns:a14="http://schemas.microsoft.com/office/drawing/2010/main" xmlns:ma14="http://schemas.microsoft.com/office/mac/drawingml/2011/main" val="1"/>
+              <ma14:wrappingTextBoxFlag xmlns:ma14="http://schemas.microsoft.com/office/mac/drawingml/2011/main" xmlns:a14="http://schemas.microsoft.com/office/drawing/2010/main" xmlns:m="http://schemas.openxmlformats.org/officeDocument/2006/math" xmlns="" val="1"/>
             </a:ext>
           </a:extLst>
         </p:spPr>
@@ -11793,7 +11727,7 @@
           </a:ln>
           <a:extLst>
             <a:ext uri="{C572A759-6A51-4108-AA02-DFA0A04FC94B}">
-              <ma14:wrappingTextBoxFlag xmlns="" xmlns:m="http://schemas.openxmlformats.org/officeDocument/2006/math" xmlns:a14="http://schemas.microsoft.com/office/drawing/2010/main" xmlns:ma14="http://schemas.microsoft.com/office/mac/drawingml/2011/main" val="1"/>
+              <ma14:wrappingTextBoxFlag xmlns:ma14="http://schemas.microsoft.com/office/mac/drawingml/2011/main" xmlns:a14="http://schemas.microsoft.com/office/drawing/2010/main" xmlns:m="http://schemas.openxmlformats.org/officeDocument/2006/math" xmlns="" val="1"/>
             </a:ext>
           </a:extLst>
         </p:spPr>
@@ -11838,7 +11772,7 @@
           </a:ln>
           <a:extLst>
             <a:ext uri="{C572A759-6A51-4108-AA02-DFA0A04FC94B}">
-              <ma14:wrappingTextBoxFlag xmlns="" xmlns:m="http://schemas.openxmlformats.org/officeDocument/2006/math" xmlns:a14="http://schemas.microsoft.com/office/drawing/2010/main" xmlns:ma14="http://schemas.microsoft.com/office/mac/drawingml/2011/main" val="1"/>
+              <ma14:wrappingTextBoxFlag xmlns:ma14="http://schemas.microsoft.com/office/mac/drawingml/2011/main" xmlns:a14="http://schemas.microsoft.com/office/drawing/2010/main" xmlns:m="http://schemas.openxmlformats.org/officeDocument/2006/math" xmlns="" val="1"/>
             </a:ext>
           </a:extLst>
         </p:spPr>
@@ -12036,7 +11970,7 @@
           </a:ln>
           <a:extLst>
             <a:ext uri="{C572A759-6A51-4108-AA02-DFA0A04FC94B}">
-              <ma14:wrappingTextBoxFlag xmlns="" xmlns:m="http://schemas.openxmlformats.org/officeDocument/2006/math" xmlns:a14="http://schemas.microsoft.com/office/drawing/2010/main" xmlns:ma14="http://schemas.microsoft.com/office/mac/drawingml/2011/main" val="1"/>
+              <ma14:wrappingTextBoxFlag xmlns:ma14="http://schemas.microsoft.com/office/mac/drawingml/2011/main" xmlns:a14="http://schemas.microsoft.com/office/drawing/2010/main" xmlns:m="http://schemas.openxmlformats.org/officeDocument/2006/math" xmlns="" val="1"/>
             </a:ext>
           </a:extLst>
         </p:spPr>
@@ -12081,7 +12015,7 @@
           </a:ln>
           <a:extLst>
             <a:ext uri="{C572A759-6A51-4108-AA02-DFA0A04FC94B}">
-              <ma14:wrappingTextBoxFlag xmlns="" xmlns:m="http://schemas.openxmlformats.org/officeDocument/2006/math" xmlns:a14="http://schemas.microsoft.com/office/drawing/2010/main" xmlns:ma14="http://schemas.microsoft.com/office/mac/drawingml/2011/main" val="1"/>
+              <ma14:wrappingTextBoxFlag xmlns:ma14="http://schemas.microsoft.com/office/mac/drawingml/2011/main" xmlns:a14="http://schemas.microsoft.com/office/drawing/2010/main" xmlns:m="http://schemas.openxmlformats.org/officeDocument/2006/math" xmlns="" val="1"/>
             </a:ext>
           </a:extLst>
         </p:spPr>
@@ -12685,7 +12619,7 @@
           </a:ln>
           <a:extLst>
             <a:ext uri="{C572A759-6A51-4108-AA02-DFA0A04FC94B}">
-              <ma14:wrappingTextBoxFlag xmlns="" xmlns:m="http://schemas.openxmlformats.org/officeDocument/2006/math" xmlns:a14="http://schemas.microsoft.com/office/drawing/2010/main" xmlns:ma14="http://schemas.microsoft.com/office/mac/drawingml/2011/main" val="1"/>
+              <ma14:wrappingTextBoxFlag xmlns:ma14="http://schemas.microsoft.com/office/mac/drawingml/2011/main" xmlns:a14="http://schemas.microsoft.com/office/drawing/2010/main" xmlns:m="http://schemas.openxmlformats.org/officeDocument/2006/math" xmlns="" val="1"/>
             </a:ext>
           </a:extLst>
         </p:spPr>
@@ -12730,7 +12664,7 @@
           </a:ln>
           <a:extLst>
             <a:ext uri="{C572A759-6A51-4108-AA02-DFA0A04FC94B}">
-              <ma14:wrappingTextBoxFlag xmlns="" xmlns:m="http://schemas.openxmlformats.org/officeDocument/2006/math" xmlns:a14="http://schemas.microsoft.com/office/drawing/2010/main" xmlns:ma14="http://schemas.microsoft.com/office/mac/drawingml/2011/main" val="1"/>
+              <ma14:wrappingTextBoxFlag xmlns:ma14="http://schemas.microsoft.com/office/mac/drawingml/2011/main" xmlns:a14="http://schemas.microsoft.com/office/drawing/2010/main" xmlns:m="http://schemas.openxmlformats.org/officeDocument/2006/math" xmlns="" val="1"/>
             </a:ext>
           </a:extLst>
         </p:spPr>
@@ -13411,7 +13345,7 @@
           </a:ln>
           <a:extLst>
             <a:ext uri="{C572A759-6A51-4108-AA02-DFA0A04FC94B}">
-              <ma14:wrappingTextBoxFlag xmlns="" xmlns:m="http://schemas.openxmlformats.org/officeDocument/2006/math" xmlns:a14="http://schemas.microsoft.com/office/drawing/2010/main" xmlns:ma14="http://schemas.microsoft.com/office/mac/drawingml/2011/main" val="1"/>
+              <ma14:wrappingTextBoxFlag xmlns:ma14="http://schemas.microsoft.com/office/mac/drawingml/2011/main" xmlns:a14="http://schemas.microsoft.com/office/drawing/2010/main" xmlns:m="http://schemas.openxmlformats.org/officeDocument/2006/math" xmlns="" val="1"/>
             </a:ext>
           </a:extLst>
         </p:spPr>
@@ -13461,7 +13395,7 @@
           </a:ln>
           <a:extLst>
             <a:ext uri="{C572A759-6A51-4108-AA02-DFA0A04FC94B}">
-              <ma14:wrappingTextBoxFlag xmlns="" xmlns:m="http://schemas.openxmlformats.org/officeDocument/2006/math" xmlns:a14="http://schemas.microsoft.com/office/drawing/2010/main" xmlns:ma14="http://schemas.microsoft.com/office/mac/drawingml/2011/main" val="1"/>
+              <ma14:wrappingTextBoxFlag xmlns:ma14="http://schemas.microsoft.com/office/mac/drawingml/2011/main" xmlns:a14="http://schemas.microsoft.com/office/drawing/2010/main" xmlns:m="http://schemas.openxmlformats.org/officeDocument/2006/math" xmlns="" val="1"/>
             </a:ext>
           </a:extLst>
         </p:spPr>
@@ -13735,7 +13669,7 @@
           </a:ln>
           <a:extLst>
             <a:ext uri="{C572A759-6A51-4108-AA02-DFA0A04FC94B}">
-              <ma14:wrappingTextBoxFlag xmlns="" xmlns:m="http://schemas.openxmlformats.org/officeDocument/2006/math" xmlns:a14="http://schemas.microsoft.com/office/drawing/2010/main" xmlns:ma14="http://schemas.microsoft.com/office/mac/drawingml/2011/main" val="1"/>
+              <ma14:wrappingTextBoxFlag xmlns:ma14="http://schemas.microsoft.com/office/mac/drawingml/2011/main" xmlns:a14="http://schemas.microsoft.com/office/drawing/2010/main" xmlns:m="http://schemas.openxmlformats.org/officeDocument/2006/math" xmlns="" val="1"/>
             </a:ext>
           </a:extLst>
         </p:spPr>
@@ -13905,7 +13839,7 @@
           </a:ln>
           <a:extLst>
             <a:ext uri="{C572A759-6A51-4108-AA02-DFA0A04FC94B}">
-              <ma14:wrappingTextBoxFlag xmlns="" xmlns:m="http://schemas.openxmlformats.org/officeDocument/2006/math" xmlns:a14="http://schemas.microsoft.com/office/drawing/2010/main" xmlns:ma14="http://schemas.microsoft.com/office/mac/drawingml/2011/main" val="1"/>
+              <ma14:wrappingTextBoxFlag xmlns:ma14="http://schemas.microsoft.com/office/mac/drawingml/2011/main" xmlns:a14="http://schemas.microsoft.com/office/drawing/2010/main" xmlns:m="http://schemas.openxmlformats.org/officeDocument/2006/math" xmlns="" val="1"/>
             </a:ext>
           </a:extLst>
         </p:spPr>
@@ -13950,7 +13884,7 @@
           </a:ln>
           <a:extLst>
             <a:ext uri="{C572A759-6A51-4108-AA02-DFA0A04FC94B}">
-              <ma14:wrappingTextBoxFlag xmlns="" xmlns:m="http://schemas.openxmlformats.org/officeDocument/2006/math" xmlns:a14="http://schemas.microsoft.com/office/drawing/2010/main" xmlns:ma14="http://schemas.microsoft.com/office/mac/drawingml/2011/main" val="1"/>
+              <ma14:wrappingTextBoxFlag xmlns:ma14="http://schemas.microsoft.com/office/mac/drawingml/2011/main" xmlns:a14="http://schemas.microsoft.com/office/drawing/2010/main" xmlns:m="http://schemas.openxmlformats.org/officeDocument/2006/math" xmlns="" val="1"/>
             </a:ext>
           </a:extLst>
         </p:spPr>
@@ -14177,7 +14111,7 @@
           </a:ln>
           <a:extLst>
             <a:ext uri="{C572A759-6A51-4108-AA02-DFA0A04FC94B}">
-              <ma14:wrappingTextBoxFlag xmlns="" xmlns:m="http://schemas.openxmlformats.org/officeDocument/2006/math" xmlns:a14="http://schemas.microsoft.com/office/drawing/2010/main" xmlns:ma14="http://schemas.microsoft.com/office/mac/drawingml/2011/main" val="1"/>
+              <ma14:wrappingTextBoxFlag xmlns:ma14="http://schemas.microsoft.com/office/mac/drawingml/2011/main" xmlns:a14="http://schemas.microsoft.com/office/drawing/2010/main" xmlns:m="http://schemas.openxmlformats.org/officeDocument/2006/math" xmlns="" val="1"/>
             </a:ext>
           </a:extLst>
         </p:spPr>
@@ -14347,7 +14281,7 @@
           </a:ln>
           <a:extLst>
             <a:ext uri="{C572A759-6A51-4108-AA02-DFA0A04FC94B}">
-              <ma14:wrappingTextBoxFlag xmlns="" xmlns:m="http://schemas.openxmlformats.org/officeDocument/2006/math" xmlns:a14="http://schemas.microsoft.com/office/drawing/2010/main" xmlns:ma14="http://schemas.microsoft.com/office/mac/drawingml/2011/main" val="1"/>
+              <ma14:wrappingTextBoxFlag xmlns:ma14="http://schemas.microsoft.com/office/mac/drawingml/2011/main" xmlns:a14="http://schemas.microsoft.com/office/drawing/2010/main" xmlns:m="http://schemas.openxmlformats.org/officeDocument/2006/math" xmlns="" val="1"/>
             </a:ext>
           </a:extLst>
         </p:spPr>
@@ -14392,7 +14326,7 @@
           </a:ln>
           <a:extLst>
             <a:ext uri="{C572A759-6A51-4108-AA02-DFA0A04FC94B}">
-              <ma14:wrappingTextBoxFlag xmlns="" xmlns:m="http://schemas.openxmlformats.org/officeDocument/2006/math" xmlns:a14="http://schemas.microsoft.com/office/drawing/2010/main" xmlns:ma14="http://schemas.microsoft.com/office/mac/drawingml/2011/main" val="1"/>
+              <ma14:wrappingTextBoxFlag xmlns:ma14="http://schemas.microsoft.com/office/mac/drawingml/2011/main" xmlns:a14="http://schemas.microsoft.com/office/drawing/2010/main" xmlns:m="http://schemas.openxmlformats.org/officeDocument/2006/math" xmlns="" val="1"/>
             </a:ext>
           </a:extLst>
         </p:spPr>
@@ -14502,7 +14436,7 @@
           </a:ln>
           <a:extLst>
             <a:ext uri="{C572A759-6A51-4108-AA02-DFA0A04FC94B}">
-              <ma14:wrappingTextBoxFlag xmlns="" xmlns:m="http://schemas.openxmlformats.org/officeDocument/2006/math" xmlns:a14="http://schemas.microsoft.com/office/drawing/2010/main" xmlns:ma14="http://schemas.microsoft.com/office/mac/drawingml/2011/main" val="1"/>
+              <ma14:wrappingTextBoxFlag xmlns:ma14="http://schemas.microsoft.com/office/mac/drawingml/2011/main" xmlns:a14="http://schemas.microsoft.com/office/drawing/2010/main" xmlns:m="http://schemas.openxmlformats.org/officeDocument/2006/math" xmlns="" val="1"/>
             </a:ext>
           </a:extLst>
         </p:spPr>
@@ -14672,7 +14606,7 @@
           </a:ln>
           <a:extLst>
             <a:ext uri="{C572A759-6A51-4108-AA02-DFA0A04FC94B}">
-              <ma14:wrappingTextBoxFlag xmlns="" xmlns:m="http://schemas.openxmlformats.org/officeDocument/2006/math" xmlns:a14="http://schemas.microsoft.com/office/drawing/2010/main" xmlns:ma14="http://schemas.microsoft.com/office/mac/drawingml/2011/main" val="1"/>
+              <ma14:wrappingTextBoxFlag xmlns:ma14="http://schemas.microsoft.com/office/mac/drawingml/2011/main" xmlns:a14="http://schemas.microsoft.com/office/drawing/2010/main" xmlns:m="http://schemas.openxmlformats.org/officeDocument/2006/math" xmlns="" val="1"/>
             </a:ext>
           </a:extLst>
         </p:spPr>
@@ -14693,7 +14627,7 @@
             </a:pPr>
             <a:r>
               <a:rPr lang="ru-RU" dirty="0"/>
-              <a:t>Основные результаты работы</a:t>
+              <a:t>Основные результаты работы – Продолжение</a:t>
             </a:r>
           </a:p>
         </p:txBody>
@@ -14706,7 +14640,7 @@
         </p:nvSpPr>
         <p:spPr>
           <a:xfrm>
-            <a:off x="1198786" y="3894508"/>
+            <a:off x="1182627" y="3651365"/>
             <a:ext cx="21506374" cy="7067933"/>
           </a:xfrm>
           <a:prstGeom prst="rect">
@@ -14717,7 +14651,7 @@
           </a:ln>
           <a:extLst>
             <a:ext uri="{C572A759-6A51-4108-AA02-DFA0A04FC94B}">
-              <ma14:wrappingTextBoxFlag xmlns="" xmlns:m="http://schemas.openxmlformats.org/officeDocument/2006/math" xmlns:a14="http://schemas.microsoft.com/office/drawing/2010/main" xmlns:ma14="http://schemas.microsoft.com/office/mac/drawingml/2011/main" val="1"/>
+              <ma14:wrappingTextBoxFlag xmlns:ma14="http://schemas.microsoft.com/office/mac/drawingml/2011/main" xmlns:a14="http://schemas.microsoft.com/office/drawing/2010/main" xmlns:m="http://schemas.openxmlformats.org/officeDocument/2006/math" xmlns="" val="1"/>
             </a:ext>
           </a:extLst>
         </p:spPr>
@@ -14739,25 +14673,30 @@
               </a:defRPr>
             </a:pPr>
             <a:r>
-              <a:rPr lang="ru-RU" sz="4800" dirty="0"/>
-              <a:t>Результаты работы могут быть использованы разработчиками и исследователями, для сравнения параметров эффективности модификаций </a:t>
-            </a:r>
-            <a:r>
-              <a:rPr lang="en-US" sz="4800" dirty="0"/>
+              <a:rPr lang="ru-RU" sz="4400" dirty="0"/>
+              <a:t>Разработанное </a:t>
+            </a:r>
+            <a:r>
+              <a:rPr lang="en-US" sz="4400" dirty="0"/>
               <a:t>B</a:t>
             </a:r>
             <a:r>
-              <a:rPr lang="ru-RU" sz="4800" dirty="0"/>
-              <a:t>-дерева и использования модификаций B-дерева в качестве индексирующих структур данных в </a:t>
-            </a:r>
-            <a:r>
-              <a:rPr lang="ru-RU" sz="4800" dirty="0" err="1"/>
-              <a:t>SQLite</a:t>
-            </a:r>
-            <a:r>
-              <a:rPr lang="ru-RU" sz="4800" dirty="0"/>
-              <a:t>, в том числе, в учебных и научных целях</a:t>
-            </a:r>
+              <a:rPr lang="en-US" sz="4400" baseline="30000" dirty="0"/>
+              <a:t>*+</a:t>
+            </a:r>
+            <a:r>
+              <a:rPr lang="ru-RU" sz="4400" dirty="0"/>
+              <a:t>-дерево имеет меньшую вычислительную сложность операций вставки и удаления, чем </a:t>
+            </a:r>
+            <a:r>
+              <a:rPr lang="en-US" sz="4400" dirty="0"/>
+              <a:t>B</a:t>
+            </a:r>
+            <a:r>
+              <a:rPr lang="ru-RU" sz="4400" dirty="0"/>
+              <a:t>-дерево</a:t>
+            </a:r>
+            <a:endParaRPr lang="en-US" sz="4400" dirty="0"/>
           </a:p>
           <a:p>
             <a:pPr marL="457200" indent="-457200" algn="l">
@@ -14774,14 +14713,30 @@
               </a:defRPr>
             </a:pPr>
             <a:r>
-              <a:rPr lang="ru-RU" sz="4800" dirty="0"/>
-              <a:t>Направления дальнейших разработок:</a:t>
-            </a:r>
-          </a:p>
-          <a:p>
-            <a:pPr marL="1824038" lvl="1" indent="-857250" algn="l">
-              <a:buFont typeface="Wingdings" panose="05000000000000000000" pitchFamily="2" charset="2"/>
-              <a:buChar char="Ø"/>
+              <a:rPr lang="ru-RU" sz="4400" dirty="0"/>
+              <a:t>Результаты работы могут быть использованы разработчиками и исследователями, для сравнения параметров эффективности модификаций </a:t>
+            </a:r>
+            <a:r>
+              <a:rPr lang="en-US" sz="4400" dirty="0"/>
+              <a:t>B</a:t>
+            </a:r>
+            <a:r>
+              <a:rPr lang="ru-RU" sz="4400" dirty="0"/>
+              <a:t>-дерева и использования модификаций B-дерева в качестве индексирующих структур данных в </a:t>
+            </a:r>
+            <a:r>
+              <a:rPr lang="ru-RU" sz="4400" dirty="0" err="1"/>
+              <a:t>SQLite</a:t>
+            </a:r>
+            <a:r>
+              <a:rPr lang="ru-RU" sz="4400" dirty="0"/>
+              <a:t>, в том числе, в учебных и научных целях</a:t>
+            </a:r>
+          </a:p>
+          <a:p>
+            <a:pPr marL="457200" indent="-457200" algn="l">
+              <a:buFont typeface="Arial" panose="020B0604020202020204" pitchFamily="34" charset="0"/>
+              <a:buChar char="•"/>
               <a:defRPr sz="2800">
                 <a:solidFill>
                   <a:srgbClr val="253957"/>
@@ -14793,12 +14748,8 @@
               </a:defRPr>
             </a:pPr>
             <a:r>
-              <a:rPr lang="en-US" sz="4800" dirty="0"/>
-              <a:t>&lt;, &lt;=, &gt;, &gt;=</a:t>
-            </a:r>
-            <a:r>
-              <a:rPr lang="ru-RU" sz="4800" dirty="0"/>
-              <a:t> при поиске строк по первичному ключу</a:t>
+              <a:rPr lang="ru-RU" sz="4400" dirty="0"/>
+              <a:t>Направления дальнейших разработок:</a:t>
             </a:r>
           </a:p>
           <a:p>
@@ -14816,14 +14767,13 @@
               </a:defRPr>
             </a:pPr>
             <a:r>
-              <a:rPr lang="ru-RU" sz="4800" dirty="0"/>
-              <a:t>Поддержка </a:t>
-            </a:r>
-            <a:r>
-              <a:rPr lang="ru-RU" sz="4800" dirty="0" err="1"/>
-              <a:t>транзакционности</a:t>
-            </a:r>
-            <a:endParaRPr lang="ru-RU" sz="4800" dirty="0"/>
+              <a:rPr lang="en-US" sz="4400" dirty="0"/>
+              <a:t>&lt;, &lt;=, &gt;, &gt;=</a:t>
+            </a:r>
+            <a:r>
+              <a:rPr lang="ru-RU" sz="4400" dirty="0"/>
+              <a:t> при поиске строк по первичному ключу</a:t>
+            </a:r>
           </a:p>
           <a:p>
             <a:pPr marL="1824038" lvl="1" indent="-857250" algn="l">
@@ -14840,14 +14790,14 @@
               </a:defRPr>
             </a:pPr>
             <a:r>
-              <a:rPr lang="ru-RU" sz="4800" dirty="0"/>
-              <a:t>Поддержка команд с </a:t>
-            </a:r>
-            <a:r>
-              <a:rPr lang="en-US" sz="4800" dirty="0"/>
-              <a:t>JOIN</a:t>
-            </a:r>
-            <a:endParaRPr lang="ru-RU" sz="4800" dirty="0"/>
+              <a:rPr lang="ru-RU" sz="4400" dirty="0"/>
+              <a:t>Поддержка </a:t>
+            </a:r>
+            <a:r>
+              <a:rPr lang="ru-RU" sz="4400" dirty="0" err="1"/>
+              <a:t>транзакционности</a:t>
+            </a:r>
+            <a:endParaRPr lang="ru-RU" sz="4400" dirty="0"/>
           </a:p>
           <a:p>
             <a:pPr marL="1824038" lvl="1" indent="-857250" algn="l">
@@ -14864,17 +14814,14 @@
               </a:defRPr>
             </a:pPr>
             <a:r>
-              <a:rPr lang="ru-RU" sz="4800" dirty="0"/>
-              <a:t>Разработка плагина для одного из </a:t>
-            </a:r>
-            <a:r>
-              <a:rPr lang="ru-RU" sz="4800" dirty="0" err="1"/>
-              <a:t>SQLite</a:t>
-            </a:r>
-            <a:r>
-              <a:rPr lang="ru-RU" sz="4800" dirty="0"/>
-              <a:t>-менеджеров с графическим пользовательским интерфейсом, для более удобной работы с B-деревьями и их модификациями</a:t>
-            </a:r>
+              <a:rPr lang="ru-RU" sz="4400" dirty="0"/>
+              <a:t>Поддержка команд с </a:t>
+            </a:r>
+            <a:r>
+              <a:rPr lang="en-US" sz="4400" dirty="0"/>
+              <a:t>JOIN</a:t>
+            </a:r>
+            <a:endParaRPr lang="ru-RU" sz="4400" dirty="0"/>
           </a:p>
           <a:p>
             <a:pPr marL="1824038" lvl="1" indent="-857250" algn="l">
@@ -14891,15 +14838,42 @@
               </a:defRPr>
             </a:pPr>
             <a:r>
-              <a:rPr lang="ru-RU" sz="4800" dirty="0"/>
+              <a:rPr lang="ru-RU" sz="4400" dirty="0"/>
+              <a:t>Разработка плагина для одного из </a:t>
+            </a:r>
+            <a:r>
+              <a:rPr lang="ru-RU" sz="4400" dirty="0" err="1"/>
+              <a:t>SQLite</a:t>
+            </a:r>
+            <a:r>
+              <a:rPr lang="ru-RU" sz="4400" dirty="0"/>
+              <a:t>-менеджеров с графическим пользовательским интерфейсом, для более удобной работы с B-деревьями и их модификациями</a:t>
+            </a:r>
+          </a:p>
+          <a:p>
+            <a:pPr marL="1824038" lvl="1" indent="-857250" algn="l">
+              <a:buFont typeface="Wingdings" panose="05000000000000000000" pitchFamily="2" charset="2"/>
+              <a:buChar char="Ø"/>
+              <a:defRPr sz="2800">
+                <a:solidFill>
+                  <a:srgbClr val="253957"/>
+                </a:solidFill>
+                <a:latin typeface="+mn-lt"/>
+                <a:ea typeface="+mn-ea"/>
+                <a:cs typeface="+mn-cs"/>
+                <a:sym typeface="Arial Narrow"/>
+              </a:defRPr>
+            </a:pPr>
+            <a:r>
+              <a:rPr lang="ru-RU" sz="4400" dirty="0"/>
               <a:t>Доработки </a:t>
             </a:r>
             <a:r>
-              <a:rPr lang="en-US" sz="4800" dirty="0"/>
+              <a:rPr lang="en-US" sz="4400" dirty="0"/>
               <a:t>C++</a:t>
             </a:r>
             <a:r>
-              <a:rPr lang="ru-RU" sz="4800" dirty="0"/>
+              <a:rPr lang="ru-RU" sz="4400" dirty="0"/>
               <a:t>-библиотеки сильно ветвящихся деревьев, для снижения сложности операций</a:t>
             </a:r>
           </a:p>
@@ -14924,7 +14898,7 @@
           </a:ln>
           <a:extLst>
             <a:ext uri="{C572A759-6A51-4108-AA02-DFA0A04FC94B}">
-              <ma14:wrappingTextBoxFlag xmlns="" xmlns:m="http://schemas.openxmlformats.org/officeDocument/2006/math" xmlns:a14="http://schemas.microsoft.com/office/drawing/2010/main" xmlns:ma14="http://schemas.microsoft.com/office/mac/drawingml/2011/main" val="1"/>
+              <ma14:wrappingTextBoxFlag xmlns:ma14="http://schemas.microsoft.com/office/mac/drawingml/2011/main" xmlns:a14="http://schemas.microsoft.com/office/drawing/2010/main" xmlns:m="http://schemas.openxmlformats.org/officeDocument/2006/math" xmlns="" val="1"/>
             </a:ext>
           </a:extLst>
         </p:spPr>
@@ -15062,7 +15036,7 @@
           </a:ln>
           <a:extLst>
             <a:ext uri="{C572A759-6A51-4108-AA02-DFA0A04FC94B}">
-              <ma14:wrappingTextBoxFlag xmlns="" xmlns:m="http://schemas.openxmlformats.org/officeDocument/2006/math" xmlns:a14="http://schemas.microsoft.com/office/drawing/2010/main" xmlns:ma14="http://schemas.microsoft.com/office/mac/drawingml/2011/main" val="1"/>
+              <ma14:wrappingTextBoxFlag xmlns:ma14="http://schemas.microsoft.com/office/mac/drawingml/2011/main" xmlns:a14="http://schemas.microsoft.com/office/drawing/2010/main" xmlns:m="http://schemas.openxmlformats.org/officeDocument/2006/math" xmlns="" val="1"/>
             </a:ext>
           </a:extLst>
         </p:spPr>
@@ -15351,7 +15325,7 @@
           </a:ln>
           <a:extLst>
             <a:ext uri="{C572A759-6A51-4108-AA02-DFA0A04FC94B}">
-              <ma14:wrappingTextBoxFlag xmlns="" xmlns:m="http://schemas.openxmlformats.org/officeDocument/2006/math" xmlns:a14="http://schemas.microsoft.com/office/drawing/2010/main" xmlns:ma14="http://schemas.microsoft.com/office/mac/drawingml/2011/main" val="1"/>
+              <ma14:wrappingTextBoxFlag xmlns:ma14="http://schemas.microsoft.com/office/mac/drawingml/2011/main" xmlns:a14="http://schemas.microsoft.com/office/drawing/2010/main" xmlns:m="http://schemas.openxmlformats.org/officeDocument/2006/math" xmlns="" val="1"/>
             </a:ext>
           </a:extLst>
         </p:spPr>
@@ -15464,7 +15438,7 @@
           </a:ln>
           <a:extLst>
             <a:ext uri="{C572A759-6A51-4108-AA02-DFA0A04FC94B}">
-              <ma14:wrappingTextBoxFlag xmlns="" xmlns:m="http://schemas.openxmlformats.org/officeDocument/2006/math" xmlns:a14="http://schemas.microsoft.com/office/drawing/2010/main" xmlns:ma14="http://schemas.microsoft.com/office/mac/drawingml/2011/main" val="1"/>
+              <ma14:wrappingTextBoxFlag xmlns:ma14="http://schemas.microsoft.com/office/mac/drawingml/2011/main" xmlns:a14="http://schemas.microsoft.com/office/drawing/2010/main" xmlns:m="http://schemas.openxmlformats.org/officeDocument/2006/math" xmlns="" val="1"/>
             </a:ext>
           </a:extLst>
         </p:spPr>
@@ -15603,7 +15577,7 @@
           </a:ln>
           <a:extLst>
             <a:ext uri="{C572A759-6A51-4108-AA02-DFA0A04FC94B}">
-              <ma14:wrappingTextBoxFlag xmlns:ma14="http://schemas.microsoft.com/office/mac/drawingml/2011/main" xmlns:a14="http://schemas.microsoft.com/office/drawing/2010/main" xmlns:m="http://schemas.openxmlformats.org/officeDocument/2006/math" xmlns="" val="1"/>
+              <ma14:wrappingTextBoxFlag xmlns="" xmlns:m="http://schemas.openxmlformats.org/officeDocument/2006/math" xmlns:a14="http://schemas.microsoft.com/office/drawing/2010/main" xmlns:ma14="http://schemas.microsoft.com/office/mac/drawingml/2011/main" val="1"/>
             </a:ext>
           </a:extLst>
         </p:spPr>
@@ -15846,7 +15820,7 @@
           </a:ln>
           <a:extLst>
             <a:ext uri="{C572A759-6A51-4108-AA02-DFA0A04FC94B}">
-              <ma14:wrappingTextBoxFlag xmlns="" xmlns:m="http://schemas.openxmlformats.org/officeDocument/2006/math" xmlns:a14="http://schemas.microsoft.com/office/drawing/2010/main" xmlns:ma14="http://schemas.microsoft.com/office/mac/drawingml/2011/main" val="1"/>
+              <ma14:wrappingTextBoxFlag xmlns:ma14="http://schemas.microsoft.com/office/mac/drawingml/2011/main" xmlns:a14="http://schemas.microsoft.com/office/drawing/2010/main" xmlns:m="http://schemas.openxmlformats.org/officeDocument/2006/math" xmlns="" val="1"/>
             </a:ext>
           </a:extLst>
         </p:spPr>
@@ -15867,7 +15841,15 @@
             </a:pPr>
             <a:r>
               <a:rPr lang="ru-RU" dirty="0"/>
-              <a:t>Основные понятия и определения</a:t>
+              <a:t>ПРИМЕР (</a:t>
+            </a:r>
+            <a:r>
+              <a:rPr lang="en-US" dirty="0"/>
+              <a:t>b</a:t>
+            </a:r>
+            <a:r>
+              <a:rPr lang="ru-RU" dirty="0"/>
+              <a:t>-ДЕРЕВО)</a:t>
             </a:r>
           </a:p>
         </p:txBody>
@@ -15891,7 +15873,7 @@
           </a:ln>
           <a:extLst>
             <a:ext uri="{C572A759-6A51-4108-AA02-DFA0A04FC94B}">
-              <ma14:wrappingTextBoxFlag xmlns="" xmlns:m="http://schemas.openxmlformats.org/officeDocument/2006/math" xmlns:a14="http://schemas.microsoft.com/office/drawing/2010/main" xmlns:ma14="http://schemas.microsoft.com/office/mac/drawingml/2011/main" val="1"/>
+              <ma14:wrappingTextBoxFlag xmlns:ma14="http://schemas.microsoft.com/office/mac/drawingml/2011/main" xmlns:a14="http://schemas.microsoft.com/office/drawing/2010/main" xmlns:m="http://schemas.openxmlformats.org/officeDocument/2006/math" xmlns="" val="1"/>
             </a:ext>
           </a:extLst>
         </p:spPr>
@@ -15975,7 +15957,7 @@
           </a:ln>
           <a:extLst>
             <a:ext uri="{C572A759-6A51-4108-AA02-DFA0A04FC94B}">
-              <ma14:wrappingTextBoxFlag xmlns="" xmlns:m="http://schemas.openxmlformats.org/officeDocument/2006/math" xmlns:a14="http://schemas.microsoft.com/office/drawing/2010/main" xmlns:ma14="http://schemas.microsoft.com/office/mac/drawingml/2011/main" val="1"/>
+              <ma14:wrappingTextBoxFlag xmlns:ma14="http://schemas.microsoft.com/office/mac/drawingml/2011/main" xmlns:a14="http://schemas.microsoft.com/office/drawing/2010/main" xmlns:m="http://schemas.openxmlformats.org/officeDocument/2006/math" xmlns="" val="1"/>
             </a:ext>
           </a:extLst>
         </p:spPr>
@@ -16834,7 +16816,7 @@
           </a:ln>
           <a:extLst>
             <a:ext uri="{C572A759-6A51-4108-AA02-DFA0A04FC94B}">
-              <ma14:wrappingTextBoxFlag xmlns="" xmlns:m="http://schemas.openxmlformats.org/officeDocument/2006/math" xmlns:a14="http://schemas.microsoft.com/office/drawing/2010/main" xmlns:ma14="http://schemas.microsoft.com/office/mac/drawingml/2011/main" val="1"/>
+              <ma14:wrappingTextBoxFlag xmlns:ma14="http://schemas.microsoft.com/office/mac/drawingml/2011/main" xmlns:a14="http://schemas.microsoft.com/office/drawing/2010/main" xmlns:m="http://schemas.openxmlformats.org/officeDocument/2006/math" xmlns="" val="1"/>
             </a:ext>
           </a:extLst>
         </p:spPr>
@@ -16879,7 +16861,7 @@
           </a:ln>
           <a:extLst>
             <a:ext uri="{C572A759-6A51-4108-AA02-DFA0A04FC94B}">
-              <ma14:wrappingTextBoxFlag xmlns="" xmlns:m="http://schemas.openxmlformats.org/officeDocument/2006/math" xmlns:a14="http://schemas.microsoft.com/office/drawing/2010/main" xmlns:ma14="http://schemas.microsoft.com/office/mac/drawingml/2011/main" val="1"/>
+              <ma14:wrappingTextBoxFlag xmlns:ma14="http://schemas.microsoft.com/office/mac/drawingml/2011/main" xmlns:a14="http://schemas.microsoft.com/office/drawing/2010/main" xmlns:m="http://schemas.openxmlformats.org/officeDocument/2006/math" xmlns="" val="1"/>
             </a:ext>
           </a:extLst>
         </p:spPr>
@@ -16965,7 +16947,7 @@
               </a:ln>
               <a:extLst>
                 <a:ext uri="{C572A759-6A51-4108-AA02-DFA0A04FC94B}">
-                  <ma14:wrappingTextBoxFlag xmlns="" xmlns:m="http://schemas.openxmlformats.org/officeDocument/2006/math" xmlns:ma14="http://schemas.microsoft.com/office/mac/drawingml/2011/main" val="1"/>
+                  <ma14:wrappingTextBoxFlag xmlns:ma14="http://schemas.microsoft.com/office/mac/drawingml/2011/main" xmlns:m="http://schemas.openxmlformats.org/officeDocument/2006/math" xmlns="" val="1"/>
                 </a:ext>
               </a:extLst>
             </p:spPr>
@@ -17800,7 +17782,7 @@
           </a:ln>
           <a:extLst>
             <a:ext uri="{C572A759-6A51-4108-AA02-DFA0A04FC94B}">
-              <ma14:wrappingTextBoxFlag xmlns="" xmlns:m="http://schemas.openxmlformats.org/officeDocument/2006/math" xmlns:a14="http://schemas.microsoft.com/office/drawing/2010/main" xmlns:ma14="http://schemas.microsoft.com/office/mac/drawingml/2011/main" val="1"/>
+              <ma14:wrappingTextBoxFlag xmlns:ma14="http://schemas.microsoft.com/office/mac/drawingml/2011/main" xmlns:a14="http://schemas.microsoft.com/office/drawing/2010/main" xmlns:m="http://schemas.openxmlformats.org/officeDocument/2006/math" xmlns="" val="1"/>
             </a:ext>
           </a:extLst>
         </p:spPr>
@@ -17845,7 +17827,7 @@
           </a:ln>
           <a:extLst>
             <a:ext uri="{C572A759-6A51-4108-AA02-DFA0A04FC94B}">
-              <ma14:wrappingTextBoxFlag xmlns="" xmlns:m="http://schemas.openxmlformats.org/officeDocument/2006/math" xmlns:a14="http://schemas.microsoft.com/office/drawing/2010/main" xmlns:ma14="http://schemas.microsoft.com/office/mac/drawingml/2011/main" val="1"/>
+              <ma14:wrappingTextBoxFlag xmlns:ma14="http://schemas.microsoft.com/office/mac/drawingml/2011/main" xmlns:a14="http://schemas.microsoft.com/office/drawing/2010/main" xmlns:m="http://schemas.openxmlformats.org/officeDocument/2006/math" xmlns="" val="1"/>
             </a:ext>
           </a:extLst>
         </p:spPr>
@@ -17931,7 +17913,7 @@
               </a:ln>
               <a:extLst>
                 <a:ext uri="{C572A759-6A51-4108-AA02-DFA0A04FC94B}">
-                  <ma14:wrappingTextBoxFlag xmlns="" xmlns:m="http://schemas.openxmlformats.org/officeDocument/2006/math" xmlns:ma14="http://schemas.microsoft.com/office/mac/drawingml/2011/main" val="1"/>
+                  <ma14:wrappingTextBoxFlag xmlns:ma14="http://schemas.microsoft.com/office/mac/drawingml/2011/main" xmlns:m="http://schemas.openxmlformats.org/officeDocument/2006/math" xmlns="" val="1"/>
                 </a:ext>
               </a:extLst>
             </p:spPr>
@@ -18531,7 +18513,7 @@
           </a:ln>
           <a:extLst>
             <a:ext uri="{C572A759-6A51-4108-AA02-DFA0A04FC94B}">
-              <ma14:wrappingTextBoxFlag xmlns="" xmlns:m="http://schemas.openxmlformats.org/officeDocument/2006/math" xmlns:a14="http://schemas.microsoft.com/office/drawing/2010/main" xmlns:ma14="http://schemas.microsoft.com/office/mac/drawingml/2011/main" val="1"/>
+              <ma14:wrappingTextBoxFlag xmlns:ma14="http://schemas.microsoft.com/office/mac/drawingml/2011/main" xmlns:a14="http://schemas.microsoft.com/office/drawing/2010/main" xmlns:m="http://schemas.openxmlformats.org/officeDocument/2006/math" xmlns="" val="1"/>
             </a:ext>
           </a:extLst>
         </p:spPr>
@@ -18576,7 +18558,7 @@
           </a:ln>
           <a:extLst>
             <a:ext uri="{C572A759-6A51-4108-AA02-DFA0A04FC94B}">
-              <ma14:wrappingTextBoxFlag xmlns="" xmlns:m="http://schemas.openxmlformats.org/officeDocument/2006/math" xmlns:a14="http://schemas.microsoft.com/office/drawing/2010/main" xmlns:ma14="http://schemas.microsoft.com/office/mac/drawingml/2011/main" val="1"/>
+              <ma14:wrappingTextBoxFlag xmlns:ma14="http://schemas.microsoft.com/office/mac/drawingml/2011/main" xmlns:a14="http://schemas.microsoft.com/office/drawing/2010/main" xmlns:m="http://schemas.openxmlformats.org/officeDocument/2006/math" xmlns="" val="1"/>
             </a:ext>
           </a:extLst>
         </p:spPr>
@@ -18904,7 +18886,7 @@
           </a:ln>
           <a:extLst>
             <a:ext uri="{C572A759-6A51-4108-AA02-DFA0A04FC94B}">
-              <ma14:wrappingTextBoxFlag xmlns="" xmlns:m="http://schemas.openxmlformats.org/officeDocument/2006/math" xmlns:a14="http://schemas.microsoft.com/office/drawing/2010/main" xmlns:ma14="http://schemas.microsoft.com/office/mac/drawingml/2011/main" val="1"/>
+              <ma14:wrappingTextBoxFlag xmlns:ma14="http://schemas.microsoft.com/office/mac/drawingml/2011/main" xmlns:a14="http://schemas.microsoft.com/office/drawing/2010/main" xmlns:m="http://schemas.openxmlformats.org/officeDocument/2006/math" xmlns="" val="1"/>
             </a:ext>
           </a:extLst>
         </p:spPr>
@@ -18949,7 +18931,7 @@
           </a:ln>
           <a:extLst>
             <a:ext uri="{C572A759-6A51-4108-AA02-DFA0A04FC94B}">
-              <ma14:wrappingTextBoxFlag xmlns="" xmlns:m="http://schemas.openxmlformats.org/officeDocument/2006/math" xmlns:a14="http://schemas.microsoft.com/office/drawing/2010/main" xmlns:ma14="http://schemas.microsoft.com/office/mac/drawingml/2011/main" val="1"/>
+              <ma14:wrappingTextBoxFlag xmlns:ma14="http://schemas.microsoft.com/office/mac/drawingml/2011/main" xmlns:a14="http://schemas.microsoft.com/office/drawing/2010/main" xmlns:m="http://schemas.openxmlformats.org/officeDocument/2006/math" xmlns="" val="1"/>
             </a:ext>
           </a:extLst>
         </p:spPr>
@@ -19238,7 +19220,7 @@
           </a:ln>
           <a:extLst>
             <a:ext uri="{C572A759-6A51-4108-AA02-DFA0A04FC94B}">
-              <ma14:wrappingTextBoxFlag xmlns="" xmlns:m="http://schemas.openxmlformats.org/officeDocument/2006/math" xmlns:a14="http://schemas.microsoft.com/office/drawing/2010/main" xmlns:ma14="http://schemas.microsoft.com/office/mac/drawingml/2011/main" val="1"/>
+              <ma14:wrappingTextBoxFlag xmlns:ma14="http://schemas.microsoft.com/office/mac/drawingml/2011/main" xmlns:a14="http://schemas.microsoft.com/office/drawing/2010/main" xmlns:m="http://schemas.openxmlformats.org/officeDocument/2006/math" xmlns="" val="1"/>
             </a:ext>
           </a:extLst>
         </p:spPr>
@@ -19283,7 +19265,7 @@
           </a:ln>
           <a:extLst>
             <a:ext uri="{C572A759-6A51-4108-AA02-DFA0A04FC94B}">
-              <ma14:wrappingTextBoxFlag xmlns="" xmlns:m="http://schemas.openxmlformats.org/officeDocument/2006/math" xmlns:a14="http://schemas.microsoft.com/office/drawing/2010/main" xmlns:ma14="http://schemas.microsoft.com/office/mac/drawingml/2011/main" val="1"/>
+              <ma14:wrappingTextBoxFlag xmlns:ma14="http://schemas.microsoft.com/office/mac/drawingml/2011/main" xmlns:a14="http://schemas.microsoft.com/office/drawing/2010/main" xmlns:m="http://schemas.openxmlformats.org/officeDocument/2006/math" xmlns="" val="1"/>
             </a:ext>
           </a:extLst>
         </p:spPr>
@@ -19425,7 +19407,7 @@
           </a:ln>
           <a:extLst>
             <a:ext uri="{C572A759-6A51-4108-AA02-DFA0A04FC94B}">
-              <ma14:wrappingTextBoxFlag xmlns="" xmlns:m="http://schemas.openxmlformats.org/officeDocument/2006/math" xmlns:a14="http://schemas.microsoft.com/office/drawing/2010/main" xmlns:ma14="http://schemas.microsoft.com/office/mac/drawingml/2011/main" val="1"/>
+              <ma14:wrappingTextBoxFlag xmlns:ma14="http://schemas.microsoft.com/office/mac/drawingml/2011/main" xmlns:a14="http://schemas.microsoft.com/office/drawing/2010/main" xmlns:m="http://schemas.openxmlformats.org/officeDocument/2006/math" xmlns="" val="1"/>
             </a:ext>
           </a:extLst>
         </p:spPr>
@@ -19698,7 +19680,7 @@
           </a:ln>
           <a:extLst>
             <a:ext uri="{C572A759-6A51-4108-AA02-DFA0A04FC94B}">
-              <ma14:wrappingTextBoxFlag xmlns="" xmlns:m="http://schemas.openxmlformats.org/officeDocument/2006/math" xmlns:a14="http://schemas.microsoft.com/office/drawing/2010/main" xmlns:ma14="http://schemas.microsoft.com/office/mac/drawingml/2011/main" val="1"/>
+              <ma14:wrappingTextBoxFlag xmlns:ma14="http://schemas.microsoft.com/office/mac/drawingml/2011/main" xmlns:a14="http://schemas.microsoft.com/office/drawing/2010/main" xmlns:m="http://schemas.openxmlformats.org/officeDocument/2006/math" xmlns="" val="1"/>
             </a:ext>
           </a:extLst>
         </p:spPr>
@@ -19743,7 +19725,7 @@
           </a:ln>
           <a:extLst>
             <a:ext uri="{C572A759-6A51-4108-AA02-DFA0A04FC94B}">
-              <ma14:wrappingTextBoxFlag xmlns="" xmlns:m="http://schemas.openxmlformats.org/officeDocument/2006/math" xmlns:a14="http://schemas.microsoft.com/office/drawing/2010/main" xmlns:ma14="http://schemas.microsoft.com/office/mac/drawingml/2011/main" val="1"/>
+              <ma14:wrappingTextBoxFlag xmlns:ma14="http://schemas.microsoft.com/office/mac/drawingml/2011/main" xmlns:a14="http://schemas.microsoft.com/office/drawing/2010/main" xmlns:m="http://schemas.openxmlformats.org/officeDocument/2006/math" xmlns="" val="1"/>
             </a:ext>
           </a:extLst>
         </p:spPr>
@@ -19790,7 +19772,7 @@
                 </a:solidFill>
                 <a:sym typeface="Arial Narrow"/>
               </a:rPr>
-              <a:t>В настоящее время растут объёмы обрабатываемых данных</a:t>
+              <a:t>В настоящее время растут объёмы данных</a:t>
             </a:r>
           </a:p>
           <a:p>
@@ -20169,7 +20151,7 @@
           </a:ln>
           <a:extLst>
             <a:ext uri="{C572A759-6A51-4108-AA02-DFA0A04FC94B}">
-              <ma14:wrappingTextBoxFlag xmlns="" xmlns:m="http://schemas.openxmlformats.org/officeDocument/2006/math" xmlns:a14="http://schemas.microsoft.com/office/drawing/2010/main" xmlns:ma14="http://schemas.microsoft.com/office/mac/drawingml/2011/main" val="1"/>
+              <ma14:wrappingTextBoxFlag xmlns:ma14="http://schemas.microsoft.com/office/mac/drawingml/2011/main" xmlns:a14="http://schemas.microsoft.com/office/drawing/2010/main" xmlns:m="http://schemas.openxmlformats.org/officeDocument/2006/math" xmlns="" val="1"/>
             </a:ext>
           </a:extLst>
         </p:spPr>
